--- a/presentation/submission3_optimization.pptx
+++ b/presentation/submission3_optimization.pptx
@@ -5,10 +5,10 @@
     <p:sldMasterId id="2147483709" r:id="rId4"/>
   </p:sldMasterIdLst>
   <p:notesMasterIdLst>
-    <p:notesMasterId r:id="rId19"/>
+    <p:notesMasterId r:id="rId20"/>
   </p:notesMasterIdLst>
   <p:handoutMasterIdLst>
-    <p:handoutMasterId r:id="rId20"/>
+    <p:handoutMasterId r:id="rId21"/>
   </p:handoutMasterIdLst>
   <p:sldIdLst>
     <p:sldId id="256" r:id="rId5"/>
@@ -21,10 +21,11 @@
     <p:sldId id="295" r:id="rId12"/>
     <p:sldId id="294" r:id="rId13"/>
     <p:sldId id="292" r:id="rId14"/>
-    <p:sldId id="283" r:id="rId15"/>
-    <p:sldId id="290" r:id="rId16"/>
-    <p:sldId id="284" r:id="rId17"/>
-    <p:sldId id="282" r:id="rId18"/>
+    <p:sldId id="298" r:id="rId15"/>
+    <p:sldId id="283" r:id="rId16"/>
+    <p:sldId id="290" r:id="rId17"/>
+    <p:sldId id="284" r:id="rId18"/>
+    <p:sldId id="282" r:id="rId19"/>
   </p:sldIdLst>
   <p:sldSz cx="12192000" cy="6858000"/>
   <p:notesSz cx="6858000" cy="9144000"/>
@@ -138,6 +139,7 @@
             <p14:sldId id="295"/>
             <p14:sldId id="294"/>
             <p14:sldId id="292"/>
+            <p14:sldId id="298"/>
             <p14:sldId id="283"/>
             <p14:sldId id="290"/>
             <p14:sldId id="284"/>
@@ -282,7 +284,7 @@
           <a:p>
             <a:fld id="{80680FBE-A8DF-4758-9AC4-3A9E1039168F}" type="datetimeFigureOut">
               <a:rPr lang="en-US" smtClean="0"/>
-              <a:t>2/25/20</a:t>
+              <a:t>2/26/20</a:t>
             </a:fld>
             <a:endParaRPr lang="en-US" dirty="0"/>
           </a:p>
@@ -447,7 +449,7 @@
           <a:p>
             <a:fld id="{EC13577B-6902-467D-A26C-08A0DD5E4E03}" type="datetimeFigureOut">
               <a:rPr lang="en-US" smtClean="0"/>
-              <a:t>2/25/20</a:t>
+              <a:t>2/26/20</a:t>
             </a:fld>
             <a:endParaRPr lang="en-US" dirty="0"/>
           </a:p>
@@ -965,7 +967,7 @@
           <a:p>
             <a:fld id="{DF61EA0F-A667-4B49-8422-0062BC55E249}" type="slidenum">
               <a:rPr lang="en-US" smtClean="0"/>
-              <a:t>11</a:t>
+              <a:t>12</a:t>
             </a:fld>
             <a:endParaRPr lang="en-US" dirty="0"/>
           </a:p>
@@ -1058,7 +1060,7 @@
           <a:p>
             <a:fld id="{DF61EA0F-A667-4B49-8422-0062BC55E249}" type="slidenum">
               <a:rPr lang="en-US" smtClean="0"/>
-              <a:t>12</a:t>
+              <a:t>13</a:t>
             </a:fld>
             <a:endParaRPr lang="en-US" dirty="0"/>
           </a:p>
@@ -1180,7 +1182,7 @@
           <a:p>
             <a:fld id="{DF61EA0F-A667-4B49-8422-0062BC55E249}" type="slidenum">
               <a:rPr lang="en-US" smtClean="0"/>
-              <a:t>13</a:t>
+              <a:t>14</a:t>
             </a:fld>
             <a:endParaRPr lang="en-US" dirty="0"/>
           </a:p>
@@ -1277,7 +1279,7 @@
           <a:p>
             <a:fld id="{DF61EA0F-A667-4B49-8422-0062BC55E249}" type="slidenum">
               <a:rPr lang="en-US" smtClean="0"/>
-              <a:t>14</a:t>
+              <a:t>15</a:t>
             </a:fld>
             <a:endParaRPr lang="en-US" dirty="0"/>
           </a:p>
@@ -2830,7 +2832,7 @@
             <a:fld id="{8BEEBAAA-29B5-4AF5-BC5F-7E580C29002D}" type="datetimeFigureOut">
               <a:rPr lang="en-US" smtClean="0"/>
               <a:pPr/>
-              <a:t>2/25/20</a:t>
+              <a:t>2/26/20</a:t>
             </a:fld>
             <a:endParaRPr lang="en-US" dirty="0"/>
           </a:p>
@@ -3002,7 +3004,7 @@
             <a:fld id="{8BEEBAAA-29B5-4AF5-BC5F-7E580C29002D}" type="datetimeFigureOut">
               <a:rPr lang="en-US" smtClean="0"/>
               <a:pPr/>
-              <a:t>2/25/20</a:t>
+              <a:t>2/26/20</a:t>
             </a:fld>
             <a:endParaRPr lang="en-US" dirty="0"/>
           </a:p>
@@ -3184,7 +3186,7 @@
             <a:fld id="{8BEEBAAA-29B5-4AF5-BC5F-7E580C29002D}" type="datetimeFigureOut">
               <a:rPr lang="en-US" smtClean="0"/>
               <a:pPr/>
-              <a:t>2/25/20</a:t>
+              <a:t>2/26/20</a:t>
             </a:fld>
             <a:endParaRPr lang="en-US" dirty="0"/>
           </a:p>
@@ -4011,7 +4013,7 @@
             <a:fld id="{8BEEBAAA-29B5-4AF5-BC5F-7E580C29002D}" type="datetimeFigureOut">
               <a:rPr lang="en-US" smtClean="0"/>
               <a:pPr/>
-              <a:t>2/25/20</a:t>
+              <a:t>2/26/20</a:t>
             </a:fld>
             <a:endParaRPr lang="en-US" dirty="0"/>
           </a:p>
@@ -4221,7 +4223,7 @@
             <a:fld id="{8BEEBAAA-29B5-4AF5-BC5F-7E580C29002D}" type="datetimeFigureOut">
               <a:rPr lang="en-US" smtClean="0"/>
               <a:pPr/>
-              <a:t>2/25/20</a:t>
+              <a:t>2/26/20</a:t>
             </a:fld>
             <a:endParaRPr lang="en-US" dirty="0"/>
           </a:p>
@@ -4469,7 +4471,7 @@
             <a:fld id="{8BEEBAAA-29B5-4AF5-BC5F-7E580C29002D}" type="datetimeFigureOut">
               <a:rPr lang="en-US" smtClean="0"/>
               <a:pPr/>
-              <a:t>2/25/20</a:t>
+              <a:t>2/26/20</a:t>
             </a:fld>
             <a:endParaRPr lang="en-US" dirty="0"/>
           </a:p>
@@ -4703,7 +4705,7 @@
             <a:fld id="{8BEEBAAA-29B5-4AF5-BC5F-7E580C29002D}" type="datetimeFigureOut">
               <a:rPr lang="en-US" smtClean="0"/>
               <a:pPr/>
-              <a:t>2/25/20</a:t>
+              <a:t>2/26/20</a:t>
             </a:fld>
             <a:endParaRPr lang="en-US" dirty="0"/>
           </a:p>
@@ -5072,7 +5074,7 @@
             <a:fld id="{8BEEBAAA-29B5-4AF5-BC5F-7E580C29002D}" type="datetimeFigureOut">
               <a:rPr lang="en-US" smtClean="0"/>
               <a:pPr/>
-              <a:t>2/25/20</a:t>
+              <a:t>2/26/20</a:t>
             </a:fld>
             <a:endParaRPr lang="en-US" dirty="0"/>
           </a:p>
@@ -5192,7 +5194,7 @@
             <a:fld id="{8BEEBAAA-29B5-4AF5-BC5F-7E580C29002D}" type="datetimeFigureOut">
               <a:rPr lang="en-US" smtClean="0"/>
               <a:pPr/>
-              <a:t>2/25/20</a:t>
+              <a:t>2/26/20</a:t>
             </a:fld>
             <a:endParaRPr lang="en-US" dirty="0"/>
           </a:p>
@@ -5289,7 +5291,7 @@
             <a:fld id="{8BEEBAAA-29B5-4AF5-BC5F-7E580C29002D}" type="datetimeFigureOut">
               <a:rPr lang="en-US" smtClean="0"/>
               <a:pPr/>
-              <a:t>2/25/20</a:t>
+              <a:t>2/26/20</a:t>
             </a:fld>
             <a:endParaRPr lang="en-US" dirty="0"/>
           </a:p>
@@ -5568,7 +5570,7 @@
             <a:fld id="{8BEEBAAA-29B5-4AF5-BC5F-7E580C29002D}" type="datetimeFigureOut">
               <a:rPr lang="en-US" smtClean="0"/>
               <a:pPr/>
-              <a:t>2/25/20</a:t>
+              <a:t>2/26/20</a:t>
             </a:fld>
             <a:endParaRPr lang="en-US" dirty="0"/>
           </a:p>
@@ -5827,7 +5829,7 @@
             <a:fld id="{8BEEBAAA-29B5-4AF5-BC5F-7E580C29002D}" type="datetimeFigureOut">
               <a:rPr lang="en-US" smtClean="0"/>
               <a:pPr/>
-              <a:t>2/25/20</a:t>
+              <a:t>2/26/20</a:t>
             </a:fld>
             <a:endParaRPr lang="en-US" dirty="0"/>
           </a:p>
@@ -6042,7 +6044,7 @@
             <a:fld id="{8BEEBAAA-29B5-4AF5-BC5F-7E580C29002D}" type="datetimeFigureOut">
               <a:rPr lang="en-US" smtClean="0"/>
               <a:pPr/>
-              <a:t>2/25/20</a:t>
+              <a:t>2/26/20</a:t>
             </a:fld>
             <a:endParaRPr lang="en-US" dirty="0"/>
           </a:p>
@@ -7242,6 +7244,271 @@
           <p:cNvPr id="2" name="Title 1">
             <a:extLst>
               <a:ext uri="{FF2B5EF4-FFF2-40B4-BE49-F238E27FC236}">
+                <a16:creationId xmlns:a16="http://schemas.microsoft.com/office/drawing/2014/main" id="{B2306AAD-281B-994C-9219-941AD8747139}"/>
+              </a:ext>
+            </a:extLst>
+          </p:cNvPr>
+          <p:cNvSpPr>
+            <a:spLocks noGrp="1"/>
+          </p:cNvSpPr>
+          <p:nvPr>
+            <p:ph type="title"/>
+          </p:nvPr>
+        </p:nvSpPr>
+        <p:spPr/>
+        <p:txBody>
+          <a:bodyPr/>
+          <a:lstStyle/>
+          <a:p>
+            <a:r>
+              <a:rPr lang="en-US" altLang="zh-CN" dirty="0"/>
+              <a:t>Hessian</a:t>
+            </a:r>
+            <a:r>
+              <a:rPr lang="zh-CN" altLang="en-US" dirty="0"/>
+              <a:t> </a:t>
+            </a:r>
+            <a:r>
+              <a:rPr lang="en-US" altLang="zh-CN" dirty="0"/>
+              <a:t>Matrix</a:t>
+            </a:r>
+            <a:endParaRPr lang="en-CN" dirty="0"/>
+          </a:p>
+        </p:txBody>
+      </p:sp>
+      <p:pic>
+        <p:nvPicPr>
+          <p:cNvPr id="4" name="Content Placeholder 3">
+            <a:extLst>
+              <a:ext uri="{FF2B5EF4-FFF2-40B4-BE49-F238E27FC236}">
+                <a16:creationId xmlns:a16="http://schemas.microsoft.com/office/drawing/2014/main" id="{46EA4403-FE12-BD45-8818-48F579291C43}"/>
+              </a:ext>
+            </a:extLst>
+          </p:cNvPr>
+          <p:cNvPicPr>
+            <a:picLocks noGrp="1" noChangeAspect="1"/>
+          </p:cNvPicPr>
+          <p:nvPr>
+            <p:ph sz="quarter" idx="13"/>
+          </p:nvPr>
+        </p:nvPicPr>
+        <p:blipFill>
+          <a:blip r:embed="rId2"/>
+          <a:stretch>
+            <a:fillRect/>
+          </a:stretch>
+        </p:blipFill>
+        <p:spPr>
+          <a:xfrm>
+            <a:off x="296023" y="3014318"/>
+            <a:ext cx="4216400" cy="1524000"/>
+          </a:xfrm>
+          <a:prstGeom prst="rect">
+            <a:avLst/>
+          </a:prstGeom>
+        </p:spPr>
+      </p:pic>
+      <p:pic>
+        <p:nvPicPr>
+          <p:cNvPr id="5" name="Picture 4">
+            <a:extLst>
+              <a:ext uri="{FF2B5EF4-FFF2-40B4-BE49-F238E27FC236}">
+                <a16:creationId xmlns:a16="http://schemas.microsoft.com/office/drawing/2014/main" id="{800024B2-5826-6044-AE56-AC6DDED12FD3}"/>
+              </a:ext>
+            </a:extLst>
+          </p:cNvPr>
+          <p:cNvPicPr>
+            <a:picLocks noChangeAspect="1"/>
+          </p:cNvPicPr>
+          <p:nvPr/>
+        </p:nvPicPr>
+        <p:blipFill>
+          <a:blip r:embed="rId3"/>
+          <a:stretch>
+            <a:fillRect/>
+          </a:stretch>
+        </p:blipFill>
+        <p:spPr>
+          <a:xfrm>
+            <a:off x="292524" y="5321808"/>
+            <a:ext cx="8331200" cy="1308100"/>
+          </a:xfrm>
+          <a:prstGeom prst="rect">
+            <a:avLst/>
+          </a:prstGeom>
+        </p:spPr>
+      </p:pic>
+      <p:sp>
+        <p:nvSpPr>
+          <p:cNvPr id="6" name="TextBox 5">
+            <a:extLst>
+              <a:ext uri="{FF2B5EF4-FFF2-40B4-BE49-F238E27FC236}">
+                <a16:creationId xmlns:a16="http://schemas.microsoft.com/office/drawing/2014/main" id="{7E060172-7D90-D24D-852E-D61BAEB9663F}"/>
+              </a:ext>
+            </a:extLst>
+          </p:cNvPr>
+          <p:cNvSpPr txBox="1"/>
+          <p:nvPr/>
+        </p:nvSpPr>
+        <p:spPr>
+          <a:xfrm>
+            <a:off x="203072" y="2600160"/>
+            <a:ext cx="3883031" cy="369332"/>
+          </a:xfrm>
+          <a:prstGeom prst="rect">
+            <a:avLst/>
+          </a:prstGeom>
+          <a:noFill/>
+        </p:spPr>
+        <p:txBody>
+          <a:bodyPr wrap="square" rtlCol="0">
+            <a:spAutoFit/>
+          </a:bodyPr>
+          <a:lstStyle/>
+          <a:p>
+            <a:r>
+              <a:rPr lang="en-US" altLang="zh-CN" dirty="0"/>
+              <a:t>For</a:t>
+            </a:r>
+            <a:r>
+              <a:rPr lang="zh-CN" altLang="en-US" dirty="0"/>
+              <a:t> </a:t>
+            </a:r>
+            <a:r>
+              <a:rPr lang="en-US" altLang="zh-CN" dirty="0"/>
+              <a:t>the</a:t>
+            </a:r>
+            <a:r>
+              <a:rPr lang="zh-CN" altLang="en-US" dirty="0"/>
+              <a:t> </a:t>
+            </a:r>
+            <a:r>
+              <a:rPr lang="en-US" altLang="zh-CN" dirty="0"/>
+              <a:t>criterion</a:t>
+            </a:r>
+            <a:r>
+              <a:rPr lang="zh-CN" altLang="en-US" dirty="0"/>
+              <a:t> </a:t>
+            </a:r>
+            <a:r>
+              <a:rPr lang="en-US" altLang="zh-CN" dirty="0"/>
+              <a:t>function:</a:t>
+            </a:r>
+            <a:endParaRPr lang="en-CN" dirty="0"/>
+          </a:p>
+        </p:txBody>
+      </p:sp>
+      <p:sp>
+        <p:nvSpPr>
+          <p:cNvPr id="7" name="TextBox 6">
+            <a:extLst>
+              <a:ext uri="{FF2B5EF4-FFF2-40B4-BE49-F238E27FC236}">
+                <a16:creationId xmlns:a16="http://schemas.microsoft.com/office/drawing/2014/main" id="{B7CA1A96-DF4B-F840-B081-3CE28643EA18}"/>
+              </a:ext>
+            </a:extLst>
+          </p:cNvPr>
+          <p:cNvSpPr txBox="1"/>
+          <p:nvPr/>
+        </p:nvSpPr>
+        <p:spPr>
+          <a:xfrm>
+            <a:off x="292524" y="4952476"/>
+            <a:ext cx="3883031" cy="369332"/>
+          </a:xfrm>
+          <a:prstGeom prst="rect">
+            <a:avLst/>
+          </a:prstGeom>
+          <a:noFill/>
+        </p:spPr>
+        <p:txBody>
+          <a:bodyPr wrap="square" rtlCol="0">
+            <a:spAutoFit/>
+          </a:bodyPr>
+          <a:lstStyle/>
+          <a:p>
+            <a:r>
+              <a:rPr lang="en-US" altLang="zh-CN" dirty="0"/>
+              <a:t>The</a:t>
+            </a:r>
+            <a:r>
+              <a:rPr lang="zh-CN" altLang="en-US" dirty="0"/>
+              <a:t> </a:t>
+            </a:r>
+            <a:r>
+              <a:rPr lang="en-US" altLang="zh-CN" dirty="0"/>
+              <a:t>elements</a:t>
+            </a:r>
+            <a:r>
+              <a:rPr lang="zh-CN" altLang="en-US" dirty="0"/>
+              <a:t> </a:t>
+            </a:r>
+            <a:r>
+              <a:rPr lang="en-US" altLang="zh-CN" dirty="0"/>
+              <a:t>in</a:t>
+            </a:r>
+            <a:r>
+              <a:rPr lang="zh-CN" altLang="en-US" dirty="0"/>
+              <a:t> </a:t>
+            </a:r>
+            <a:r>
+              <a:rPr lang="en-US" altLang="zh-CN" dirty="0"/>
+              <a:t>Hessian</a:t>
+            </a:r>
+            <a:r>
+              <a:rPr lang="zh-CN" altLang="en-US" dirty="0"/>
+              <a:t> </a:t>
+            </a:r>
+            <a:r>
+              <a:rPr lang="en-US" altLang="zh-CN" dirty="0"/>
+              <a:t>Matrix</a:t>
+            </a:r>
+            <a:r>
+              <a:rPr lang="zh-CN" altLang="en-US" dirty="0"/>
+              <a:t> </a:t>
+            </a:r>
+            <a:r>
+              <a:rPr lang="en-US" altLang="zh-CN" dirty="0"/>
+              <a:t>are:</a:t>
+            </a:r>
+            <a:endParaRPr lang="en-CN" dirty="0"/>
+          </a:p>
+        </p:txBody>
+      </p:sp>
+    </p:spTree>
+    <p:extLst>
+      <p:ext uri="{BB962C8B-B14F-4D97-AF65-F5344CB8AC3E}">
+        <p14:creationId xmlns:p14="http://schemas.microsoft.com/office/powerpoint/2010/main" val="465870852"/>
+      </p:ext>
+    </p:extLst>
+  </p:cSld>
+  <p:clrMapOvr>
+    <a:masterClrMapping/>
+  </p:clrMapOvr>
+</p:sld>
+</file>
+
+<file path=ppt/slides/slide12.xml><?xml version="1.0" encoding="utf-8"?>
+<p:sld xmlns:a="http://schemas.openxmlformats.org/drawingml/2006/main" xmlns:r="http://schemas.openxmlformats.org/officeDocument/2006/relationships" xmlns:p="http://schemas.openxmlformats.org/presentationml/2006/main">
+  <p:cSld>
+    <p:spTree>
+      <p:nvGrpSpPr>
+        <p:cNvPr id="1" name=""/>
+        <p:cNvGrpSpPr/>
+        <p:nvPr/>
+      </p:nvGrpSpPr>
+      <p:grpSpPr>
+        <a:xfrm>
+          <a:off x="0" y="0"/>
+          <a:ext cx="0" cy="0"/>
+          <a:chOff x="0" y="0"/>
+          <a:chExt cx="0" cy="0"/>
+        </a:xfrm>
+      </p:grpSpPr>
+      <p:sp>
+        <p:nvSpPr>
+          <p:cNvPr id="2" name="Title 1">
+            <a:extLst>
+              <a:ext uri="{FF2B5EF4-FFF2-40B4-BE49-F238E27FC236}">
                 <a16:creationId xmlns:a16="http://schemas.microsoft.com/office/drawing/2014/main" id="{28E77A33-13E3-4778-AFD2-7DEED31A32A9}"/>
               </a:ext>
             </a:extLst>
@@ -7525,7 +7792,7 @@
 </p:sld>
 </file>
 
-<file path=ppt/slides/slide12.xml><?xml version="1.0" encoding="utf-8"?>
+<file path=ppt/slides/slide13.xml><?xml version="1.0" encoding="utf-8"?>
 <p:sld xmlns:a="http://schemas.openxmlformats.org/drawingml/2006/main" xmlns:r="http://schemas.openxmlformats.org/officeDocument/2006/relationships" xmlns:p="http://schemas.openxmlformats.org/presentationml/2006/main">
   <p:cSld>
     <p:spTree>
@@ -8197,7 +8464,7 @@
 </p:sld>
 </file>
 
-<file path=ppt/slides/slide13.xml><?xml version="1.0" encoding="utf-8"?>
+<file path=ppt/slides/slide14.xml><?xml version="1.0" encoding="utf-8"?>
 <p:sld xmlns:a="http://schemas.openxmlformats.org/drawingml/2006/main" xmlns:r="http://schemas.openxmlformats.org/officeDocument/2006/relationships" xmlns:p="http://schemas.openxmlformats.org/presentationml/2006/main">
   <p:cSld>
     <p:spTree>
@@ -8474,7 +8741,7 @@
 </p:sld>
 </file>
 
-<file path=ppt/slides/slide14.xml><?xml version="1.0" encoding="utf-8"?>
+<file path=ppt/slides/slide15.xml><?xml version="1.0" encoding="utf-8"?>
 <p:sld xmlns:a="http://schemas.openxmlformats.org/drawingml/2006/main" xmlns:r="http://schemas.openxmlformats.org/officeDocument/2006/relationships" xmlns:p="http://schemas.openxmlformats.org/presentationml/2006/main">
   <p:cSld>
     <p:spTree>
@@ -9708,8 +9975,8 @@
           </a:p>
         </p:txBody>
       </p:sp>
-      <mc:AlternateContent xmlns:mc="http://schemas.openxmlformats.org/markup-compatibility/2006">
-        <mc:Choice xmlns:a14="http://schemas.microsoft.com/office/drawing/2010/main" Requires="a14">
+      <mc:AlternateContent xmlns:mc="http://schemas.openxmlformats.org/markup-compatibility/2006" xmlns:a14="http://schemas.microsoft.com/office/drawing/2010/main">
+        <mc:Choice Requires="a14">
           <p:sp>
             <p:nvSpPr>
               <p:cNvPr id="2" name="TextBox 1">
@@ -10259,7 +10526,7 @@
             </p:txBody>
           </p:sp>
         </mc:Choice>
-        <mc:Fallback>
+        <mc:Fallback xmlns="">
           <p:sp>
             <p:nvSpPr>
               <p:cNvPr id="2" name="TextBox 1">
@@ -11430,24 +11697,6 @@
 </file>
 
 <file path=customXml/item1.xml><?xml version="1.0" encoding="utf-8"?>
-<p:properties xmlns:p="http://schemas.microsoft.com/office/2006/metadata/properties" xmlns:xsi="http://www.w3.org/2001/XMLSchema-instance" xmlns:pc="http://schemas.microsoft.com/office/infopath/2007/PartnerControls">
-  <documentManagement>
-    <Status xmlns="71af3243-3dd4-4a8d-8c0d-dd76da1f02a5">Not started</Status>
-    <MediaServiceKeyPoints xmlns="71af3243-3dd4-4a8d-8c0d-dd76da1f02a5" xsi:nil="true"/>
-  </documentManagement>
-</p:properties>
-</file>
-
-<file path=customXml/item2.xml><?xml version="1.0" encoding="utf-8"?>
-<?mso-contentType ?>
-<FormTemplates xmlns="http://schemas.microsoft.com/sharepoint/v3/contenttype/forms">
-  <Display>DocumentLibraryForm</Display>
-  <Edit>DocumentLibraryForm</Edit>
-  <New>DocumentLibraryForm</New>
-</FormTemplates>
-</file>
-
-<file path=customXml/item3.xml><?xml version="1.0" encoding="utf-8"?>
 <ct:contentTypeSchema xmlns:ct="http://schemas.microsoft.com/office/2006/metadata/contentType" xmlns:ma="http://schemas.microsoft.com/office/2006/metadata/properties/metaAttributes" ct:_="" ma:_="" ma:contentTypeName="Document" ma:contentTypeID="0x01010079F111ED35F8CC479449609E8A0923A6" ma:contentTypeVersion="12" ma:contentTypeDescription="Create a new document." ma:contentTypeScope="" ma:versionID="a8a52e8c320b9a064ae3583ae3861c92">
   <xsd:schema xmlns:xsd="http://www.w3.org/2001/XMLSchema" xmlns:xs="http://www.w3.org/2001/XMLSchema" xmlns:p="http://schemas.microsoft.com/office/2006/metadata/properties" xmlns:ns2="71af3243-3dd4-4a8d-8c0d-dd76da1f02a5" xmlns:ns3="16c05727-aa75-4e4a-9b5f-8a80a1165891" targetNamespace="http://schemas.microsoft.com/office/2006/metadata/properties" ma:root="true" ma:fieldsID="88020cb39231a0945110f9cd888b521a" ns2:_="" ns3:_="">
     <xsd:import namespace="71af3243-3dd4-4a8d-8c0d-dd76da1f02a5"/>
@@ -11668,25 +11917,25 @@
 </ct:contentTypeSchema>
 </file>
 
-<file path=customXml/itemProps1.xml><?xml version="1.0" encoding="utf-8"?>
-<ds:datastoreItem xmlns:ds="http://schemas.openxmlformats.org/officeDocument/2006/customXml" ds:itemID="{950072C5-DDE0-4258-BA7A-4D4B80DFA632}">
-  <ds:schemaRefs>
-    <ds:schemaRef ds:uri="http://schemas.microsoft.com/office/2006/metadata/properties"/>
-    <ds:schemaRef ds:uri="http://schemas.microsoft.com/office/infopath/2007/PartnerControls"/>
-    <ds:schemaRef ds:uri="71af3243-3dd4-4a8d-8c0d-dd76da1f02a5"/>
-  </ds:schemaRefs>
-</ds:datastoreItem>
+<file path=customXml/item2.xml><?xml version="1.0" encoding="utf-8"?>
+<?mso-contentType ?>
+<FormTemplates xmlns="http://schemas.microsoft.com/sharepoint/v3/contenttype/forms">
+  <Display>DocumentLibraryForm</Display>
+  <Edit>DocumentLibraryForm</Edit>
+  <New>DocumentLibraryForm</New>
+</FormTemplates>
 </file>
 
-<file path=customXml/itemProps2.xml><?xml version="1.0" encoding="utf-8"?>
-<ds:datastoreItem xmlns:ds="http://schemas.openxmlformats.org/officeDocument/2006/customXml" ds:itemID="{7EE8C63A-4744-4DE4-BB49-0FF0B5375C60}">
-  <ds:schemaRefs>
-    <ds:schemaRef ds:uri="http://schemas.microsoft.com/sharepoint/v3/contenttype/forms"/>
-  </ds:schemaRefs>
-</ds:datastoreItem>
+<file path=customXml/item3.xml><?xml version="1.0" encoding="utf-8"?>
+<p:properties xmlns:p="http://schemas.microsoft.com/office/2006/metadata/properties" xmlns:xsi="http://www.w3.org/2001/XMLSchema-instance" xmlns:pc="http://schemas.microsoft.com/office/infopath/2007/PartnerControls">
+  <documentManagement>
+    <Status xmlns="71af3243-3dd4-4a8d-8c0d-dd76da1f02a5">Not started</Status>
+    <MediaServiceKeyPoints xmlns="71af3243-3dd4-4a8d-8c0d-dd76da1f02a5" xsi:nil="true"/>
+  </documentManagement>
+</p:properties>
 </file>
 
-<file path=customXml/itemProps3.xml><?xml version="1.0" encoding="utf-8"?>
+<file path=customXml/itemProps1.xml><?xml version="1.0" encoding="utf-8"?>
 <ds:datastoreItem xmlns:ds="http://schemas.openxmlformats.org/officeDocument/2006/customXml" ds:itemID="{FD7FC771-7DFE-49DA-B577-71181BFBCB2E}">
   <ds:schemaRefs>
     <ds:schemaRef ds:uri="http://schemas.microsoft.com/office/2006/metadata/contentType"/>
@@ -11703,4 +11952,22 @@
     <ds:schemaRef ds:uri="http://schemas.microsoft.com/internal/obd"/>
   </ds:schemaRefs>
 </ds:datastoreItem>
+</file>
+
+<file path=customXml/itemProps2.xml><?xml version="1.0" encoding="utf-8"?>
+<ds:datastoreItem xmlns:ds="http://schemas.openxmlformats.org/officeDocument/2006/customXml" ds:itemID="{7EE8C63A-4744-4DE4-BB49-0FF0B5375C60}">
+  <ds:schemaRefs>
+    <ds:schemaRef ds:uri="http://schemas.microsoft.com/sharepoint/v3/contenttype/forms"/>
+  </ds:schemaRefs>
+</ds:datastoreItem>
+</file>
+
+<file path=customXml/itemProps3.xml><?xml version="1.0" encoding="utf-8"?>
+<ds:datastoreItem xmlns:ds="http://schemas.openxmlformats.org/officeDocument/2006/customXml" ds:itemID="{950072C5-DDE0-4258-BA7A-4D4B80DFA632}">
+  <ds:schemaRefs>
+    <ds:schemaRef ds:uri="http://schemas.microsoft.com/office/2006/metadata/properties"/>
+    <ds:schemaRef ds:uri="http://schemas.microsoft.com/office/infopath/2007/PartnerControls"/>
+    <ds:schemaRef ds:uri="71af3243-3dd4-4a8d-8c0d-dd76da1f02a5"/>
+  </ds:schemaRefs>
+</ds:datastoreItem>
 </file>
--- a/presentation/submission3_optimization.pptx
+++ b/presentation/submission3_optimization.pptx
@@ -832,1497 +832,6 @@
             <p:ph type="sldImg"/>
           </p:nvPr>
         </p:nvSpPr>
-        <p:spPr/>
-      </p:sp>
-      <p:sp>
-        <p:nvSpPr>
-          <p:cNvPr id="3" name="Notes Placeholder 2"/>
-          <p:cNvSpPr>
-            <a:spLocks noGrp="1"/>
-          </p:cNvSpPr>
-          <p:nvPr>
-            <p:ph type="body" idx="1"/>
-          </p:nvPr>
-        </p:nvSpPr>
-        <p:spPr/>
-        <p:txBody>
-          <a:bodyPr/>
-          <a:lstStyle/>
-          <a:p>
-            <a:r>
-              <a:rPr lang="en-US" altLang="zh-CN" dirty="0"/>
-              <a:t>Left:</a:t>
-            </a:r>
-            <a:r>
-              <a:rPr lang="zh-CN" altLang="en-US" dirty="0"/>
-              <a:t> </a:t>
-            </a:r>
-            <a:r>
-              <a:rPr lang="en-US" altLang="zh-CN" dirty="0"/>
-              <a:t>﻿The </a:t>
-            </a:r>
-            <a:r>
-              <a:rPr lang="en-US" altLang="zh-CN" dirty="0" err="1"/>
-              <a:t>quickprop</a:t>
-            </a:r>
-            <a:r>
-              <a:rPr lang="en-US" altLang="zh-CN" dirty="0"/>
-              <a:t> weight update takes the error derivatives at two points separated by</a:t>
-            </a:r>
-            <a:r>
-              <a:rPr lang="zh-CN" altLang="en-US" dirty="0"/>
-              <a:t> </a:t>
-            </a:r>
-            <a:r>
-              <a:rPr lang="en-US" altLang="zh-CN" dirty="0"/>
-              <a:t>a known amount, and by</a:t>
-            </a:r>
-            <a:r>
-              <a:rPr lang="zh-CN" altLang="en-US" dirty="0"/>
-              <a:t> </a:t>
-            </a:r>
-            <a:r>
-              <a:rPr lang="en-US" altLang="zh-CN" dirty="0"/>
-              <a:t>Eq. 51 makes its next weight value. If the error can be fully</a:t>
-            </a:r>
-            <a:r>
-              <a:rPr lang="zh-CN" altLang="en-US" dirty="0"/>
-              <a:t> </a:t>
-            </a:r>
-            <a:r>
-              <a:rPr lang="en-US" altLang="zh-CN" dirty="0"/>
-              <a:t>expressed as a second-order function, then the weight update</a:t>
-            </a:r>
-            <a:endParaRPr lang="en-US" dirty="0"/>
-          </a:p>
-          <a:p>
-            <a:endParaRPr lang="en-CN" dirty="0"/>
-          </a:p>
-          <a:p>
-            <a:r>
-              <a:rPr lang="en-US" altLang="zh-CN" dirty="0"/>
-              <a:t>Right:</a:t>
-            </a:r>
-            <a:r>
-              <a:rPr lang="zh-CN" altLang="en-US" dirty="0"/>
-              <a:t> </a:t>
-            </a:r>
-            <a:r>
-              <a:rPr lang="en-US" altLang="zh-CN" dirty="0"/>
-              <a:t>﻿Conjugate gradient descent in weight space employs a sequence of line searches. If ∆w(1) is the first descent direction, the second direction obeys ∆</a:t>
-            </a:r>
-            <a:r>
-              <a:rPr lang="en-US" altLang="zh-CN" dirty="0" err="1"/>
-              <a:t>wt</a:t>
-            </a:r>
-            <a:r>
-              <a:rPr lang="en-US" altLang="zh-CN" dirty="0"/>
-              <a:t>(1)</a:t>
-            </a:r>
-            <a:r>
-              <a:rPr lang="en-US" altLang="zh-CN" dirty="0" err="1"/>
-              <a:t>H∆w</a:t>
-            </a:r>
-            <a:r>
-              <a:rPr lang="en-US" altLang="zh-CN" dirty="0"/>
-              <a:t>(2) = 0. Note especially</a:t>
-            </a:r>
-            <a:r>
-              <a:rPr lang="zh-CN" altLang="en-US" dirty="0"/>
-              <a:t> </a:t>
-            </a:r>
-            <a:r>
-              <a:rPr lang="en-US" altLang="zh-CN" dirty="0"/>
-              <a:t>that along this second descent, the gradient changes only</a:t>
-            </a:r>
-            <a:r>
-              <a:rPr lang="zh-CN" altLang="en-US" dirty="0"/>
-              <a:t> </a:t>
-            </a:r>
-            <a:r>
-              <a:rPr lang="en-US" altLang="zh-CN" dirty="0"/>
-              <a:t>in magnitude, not direction; as such the second descent does not “spoil” the contribution due to the previous line search. In the case where the Hessian is diagonal (right), the directions of the line searches are orthogonal.</a:t>
-            </a:r>
-            <a:endParaRPr lang="en-CN" dirty="0"/>
-          </a:p>
-          <a:p>
-            <a:endParaRPr lang="en-CN" dirty="0"/>
-          </a:p>
-        </p:txBody>
-      </p:sp>
-      <p:sp>
-        <p:nvSpPr>
-          <p:cNvPr id="4" name="Slide Number Placeholder 3"/>
-          <p:cNvSpPr>
-            <a:spLocks noGrp="1"/>
-          </p:cNvSpPr>
-          <p:nvPr>
-            <p:ph type="sldNum" sz="quarter" idx="5"/>
-          </p:nvPr>
-        </p:nvSpPr>
-        <p:spPr/>
-        <p:txBody>
-          <a:bodyPr/>
-          <a:lstStyle/>
-          <a:p>
-            <a:fld id="{DF61EA0F-A667-4B49-8422-0062BC55E249}" type="slidenum">
-              <a:rPr lang="en-US" smtClean="0"/>
-              <a:t>12</a:t>
-            </a:fld>
-            <a:endParaRPr lang="en-US" dirty="0"/>
-          </a:p>
-        </p:txBody>
-      </p:sp>
-    </p:spTree>
-    <p:extLst>
-      <p:ext uri="{BB962C8B-B14F-4D97-AF65-F5344CB8AC3E}">
-        <p14:creationId xmlns:p14="http://schemas.microsoft.com/office/powerpoint/2010/main" val="1919789098"/>
-      </p:ext>
-    </p:extLst>
-  </p:cSld>
-  <p:clrMapOvr>
-    <a:masterClrMapping/>
-  </p:clrMapOvr>
-</p:notes>
-</file>
-
-<file path=ppt/notesSlides/notesSlide11.xml><?xml version="1.0" encoding="utf-8"?>
-<p:notes xmlns:a="http://schemas.openxmlformats.org/drawingml/2006/main" xmlns:r="http://schemas.openxmlformats.org/officeDocument/2006/relationships" xmlns:p="http://schemas.openxmlformats.org/presentationml/2006/main">
-  <p:cSld>
-    <p:spTree>
-      <p:nvGrpSpPr>
-        <p:cNvPr id="1" name=""/>
-        <p:cNvGrpSpPr/>
-        <p:nvPr/>
-      </p:nvGrpSpPr>
-      <p:grpSpPr>
-        <a:xfrm>
-          <a:off x="0" y="0"/>
-          <a:ext cx="0" cy="0"/>
-          <a:chOff x="0" y="0"/>
-          <a:chExt cx="0" cy="0"/>
-        </a:xfrm>
-      </p:grpSpPr>
-      <p:sp>
-        <p:nvSpPr>
-          <p:cNvPr id="2" name="Slide Image Placeholder 1"/>
-          <p:cNvSpPr>
-            <a:spLocks noGrp="1" noRot="1" noChangeAspect="1"/>
-          </p:cNvSpPr>
-          <p:nvPr>
-            <p:ph type="sldImg"/>
-          </p:nvPr>
-        </p:nvSpPr>
-        <p:spPr>
-          <a:xfrm>
-            <a:off x="685800" y="1143000"/>
-            <a:ext cx="5486400" cy="3086100"/>
-          </a:xfrm>
-        </p:spPr>
-      </p:sp>
-      <p:sp>
-        <p:nvSpPr>
-          <p:cNvPr id="3" name="Notes Placeholder 2"/>
-          <p:cNvSpPr>
-            <a:spLocks noGrp="1"/>
-          </p:cNvSpPr>
-          <p:nvPr>
-            <p:ph type="body" idx="1"/>
-          </p:nvPr>
-        </p:nvSpPr>
-        <p:spPr/>
-        <p:txBody>
-          <a:bodyPr/>
-          <a:lstStyle/>
-          <a:p>
-            <a:pPr marL="285750" indent="-285750">
-              <a:buFontTx/>
-              <a:buChar char="-"/>
-            </a:pPr>
-            <a:endParaRPr lang="en-US" altLang="zh-CN" dirty="0"/>
-          </a:p>
-        </p:txBody>
-      </p:sp>
-      <p:sp>
-        <p:nvSpPr>
-          <p:cNvPr id="4" name="Slide Number Placeholder 3"/>
-          <p:cNvSpPr>
-            <a:spLocks noGrp="1"/>
-          </p:cNvSpPr>
-          <p:nvPr>
-            <p:ph type="sldNum" sz="quarter" idx="10"/>
-          </p:nvPr>
-        </p:nvSpPr>
-        <p:spPr/>
-        <p:txBody>
-          <a:bodyPr/>
-          <a:lstStyle/>
-          <a:p>
-            <a:fld id="{DF61EA0F-A667-4B49-8422-0062BC55E249}" type="slidenum">
-              <a:rPr lang="en-US" smtClean="0"/>
-              <a:t>13</a:t>
-            </a:fld>
-            <a:endParaRPr lang="en-US" dirty="0"/>
-          </a:p>
-        </p:txBody>
-      </p:sp>
-    </p:spTree>
-    <p:extLst>
-      <p:ext uri="{BB962C8B-B14F-4D97-AF65-F5344CB8AC3E}">
-        <p14:creationId xmlns:p14="http://schemas.microsoft.com/office/powerpoint/2010/main" val="2540006574"/>
-      </p:ext>
-    </p:extLst>
-  </p:cSld>
-  <p:clrMapOvr>
-    <a:masterClrMapping/>
-  </p:clrMapOvr>
-</p:notes>
-</file>
-
-<file path=ppt/notesSlides/notesSlide12.xml><?xml version="1.0" encoding="utf-8"?>
-<p:notes xmlns:a="http://schemas.openxmlformats.org/drawingml/2006/main" xmlns:r="http://schemas.openxmlformats.org/officeDocument/2006/relationships" xmlns:p="http://schemas.openxmlformats.org/presentationml/2006/main">
-  <p:cSld>
-    <p:spTree>
-      <p:nvGrpSpPr>
-        <p:cNvPr id="1" name=""/>
-        <p:cNvGrpSpPr/>
-        <p:nvPr/>
-      </p:nvGrpSpPr>
-      <p:grpSpPr>
-        <a:xfrm>
-          <a:off x="0" y="0"/>
-          <a:ext cx="0" cy="0"/>
-          <a:chOff x="0" y="0"/>
-          <a:chExt cx="0" cy="0"/>
-        </a:xfrm>
-      </p:grpSpPr>
-      <p:sp>
-        <p:nvSpPr>
-          <p:cNvPr id="2" name="Slide Image Placeholder 1"/>
-          <p:cNvSpPr>
-            <a:spLocks noGrp="1" noRot="1" noChangeAspect="1"/>
-          </p:cNvSpPr>
-          <p:nvPr>
-            <p:ph type="sldImg"/>
-          </p:nvPr>
-        </p:nvSpPr>
-        <p:spPr/>
-      </p:sp>
-      <p:sp>
-        <p:nvSpPr>
-          <p:cNvPr id="3" name="Notes Placeholder 2"/>
-          <p:cNvSpPr>
-            <a:spLocks noGrp="1"/>
-          </p:cNvSpPr>
-          <p:nvPr>
-            <p:ph type="body" idx="1"/>
-          </p:nvPr>
-        </p:nvSpPr>
-        <p:spPr/>
-        <p:txBody>
-          <a:bodyPr/>
-          <a:lstStyle/>
-          <a:p>
-            <a:r>
-              <a:rPr lang="en-US" altLang="zh-CN" dirty="0"/>
-              <a:t>right:</a:t>
-            </a:r>
-            <a:r>
-              <a:rPr lang="zh-CN" altLang="en-US" dirty="0"/>
-              <a:t> </a:t>
-            </a:r>
-            <a:r>
-              <a:rPr lang="en-US" dirty="0"/>
-              <a:t>One of them is having a non-</a:t>
-            </a:r>
-            <a:r>
-              <a:rPr lang="en-US" dirty="0">
-                <a:hlinkClick r:id="rId3" tooltip="Smoothness"/>
-              </a:rPr>
-              <a:t>smooth</a:t>
-            </a:r>
-            <a:r>
-              <a:rPr lang="en-US" dirty="0"/>
-              <a:t> multivariable function. The following picture shows that coordinate descent iteration may get stuck at a non-</a:t>
-            </a:r>
-            <a:r>
-              <a:rPr lang="en-US" dirty="0">
-                <a:hlinkClick r:id="rId4" tooltip="Stationary point"/>
-              </a:rPr>
-              <a:t>stationary point</a:t>
-            </a:r>
-            <a:r>
-              <a:rPr lang="en-US" dirty="0"/>
-              <a:t> if the level curves of a function are not smooth. Suppose that the algorithm is at the point (-2, -2); then there are two axis-aligned directions it can consider for taking a step, indicated by the red arrows. However, every step along these two directions will increase the objective function's value (assuming a minimization problem), so the algorithm will not take any step, even though both steps together would bring the algorithm closer to the optimum. While this example shows that coordinate descent is not necessarily convergent to the optimum, it is possible to show formal convergence under reasonable conditions.</a:t>
-            </a:r>
-            <a:r>
-              <a:rPr lang="en-US" baseline="30000" dirty="0">
-                <a:hlinkClick r:id="rId5"/>
-              </a:rPr>
-              <a:t>[3]</a:t>
-            </a:r>
-            <a:endParaRPr lang="en-CN" dirty="0"/>
-          </a:p>
-        </p:txBody>
-      </p:sp>
-      <p:sp>
-        <p:nvSpPr>
-          <p:cNvPr id="4" name="Slide Number Placeholder 3"/>
-          <p:cNvSpPr>
-            <a:spLocks noGrp="1"/>
-          </p:cNvSpPr>
-          <p:nvPr>
-            <p:ph type="sldNum" sz="quarter" idx="5"/>
-          </p:nvPr>
-        </p:nvSpPr>
-        <p:spPr/>
-        <p:txBody>
-          <a:bodyPr/>
-          <a:lstStyle/>
-          <a:p>
-            <a:fld id="{DF61EA0F-A667-4B49-8422-0062BC55E249}" type="slidenum">
-              <a:rPr lang="en-US" smtClean="0"/>
-              <a:t>14</a:t>
-            </a:fld>
-            <a:endParaRPr lang="en-US" dirty="0"/>
-          </a:p>
-        </p:txBody>
-      </p:sp>
-    </p:spTree>
-    <p:extLst>
-      <p:ext uri="{BB962C8B-B14F-4D97-AF65-F5344CB8AC3E}">
-        <p14:creationId xmlns:p14="http://schemas.microsoft.com/office/powerpoint/2010/main" val="597373796"/>
-      </p:ext>
-    </p:extLst>
-  </p:cSld>
-  <p:clrMapOvr>
-    <a:masterClrMapping/>
-  </p:clrMapOvr>
-</p:notes>
-</file>
-
-<file path=ppt/notesSlides/notesSlide13.xml><?xml version="1.0" encoding="utf-8"?>
-<p:notes xmlns:a="http://schemas.openxmlformats.org/drawingml/2006/main" xmlns:r="http://schemas.openxmlformats.org/officeDocument/2006/relationships" xmlns:p="http://schemas.openxmlformats.org/presentationml/2006/main">
-  <p:cSld>
-    <p:spTree>
-      <p:nvGrpSpPr>
-        <p:cNvPr id="1" name=""/>
-        <p:cNvGrpSpPr/>
-        <p:nvPr/>
-      </p:nvGrpSpPr>
-      <p:grpSpPr>
-        <a:xfrm>
-          <a:off x="0" y="0"/>
-          <a:ext cx="0" cy="0"/>
-          <a:chOff x="0" y="0"/>
-          <a:chExt cx="0" cy="0"/>
-        </a:xfrm>
-      </p:grpSpPr>
-      <p:sp>
-        <p:nvSpPr>
-          <p:cNvPr id="2" name="Slide Image Placeholder 1"/>
-          <p:cNvSpPr>
-            <a:spLocks noGrp="1" noRot="1" noChangeAspect="1"/>
-          </p:cNvSpPr>
-          <p:nvPr>
-            <p:ph type="sldImg"/>
-          </p:nvPr>
-        </p:nvSpPr>
-        <p:spPr>
-          <a:xfrm>
-            <a:off x="685800" y="1143000"/>
-            <a:ext cx="5486400" cy="3086100"/>
-          </a:xfrm>
-        </p:spPr>
-      </p:sp>
-      <p:sp>
-        <p:nvSpPr>
-          <p:cNvPr id="3" name="Notes Placeholder 2"/>
-          <p:cNvSpPr>
-            <a:spLocks noGrp="1"/>
-          </p:cNvSpPr>
-          <p:nvPr>
-            <p:ph type="body" idx="1"/>
-          </p:nvPr>
-        </p:nvSpPr>
-        <p:spPr/>
-        <p:txBody>
-          <a:bodyPr/>
-          <a:lstStyle/>
-          <a:p>
-            <a:r>
-              <a:rPr lang="en-US" dirty="0"/>
-              <a:t>In </a:t>
-            </a:r>
-            <a:r>
-              <a:rPr lang="en-US" baseline="0" dirty="0"/>
-              <a:t>Slide Show mode, select the arrows to visit links.</a:t>
-            </a:r>
-            <a:endParaRPr lang="en-US" dirty="0"/>
-          </a:p>
-        </p:txBody>
-      </p:sp>
-      <p:sp>
-        <p:nvSpPr>
-          <p:cNvPr id="4" name="Slide Number Placeholder 3"/>
-          <p:cNvSpPr>
-            <a:spLocks noGrp="1"/>
-          </p:cNvSpPr>
-          <p:nvPr>
-            <p:ph type="sldNum" sz="quarter" idx="10"/>
-          </p:nvPr>
-        </p:nvSpPr>
-        <p:spPr/>
-        <p:txBody>
-          <a:bodyPr/>
-          <a:lstStyle/>
-          <a:p>
-            <a:fld id="{DF61EA0F-A667-4B49-8422-0062BC55E249}" type="slidenum">
-              <a:rPr lang="en-US" smtClean="0"/>
-              <a:t>15</a:t>
-            </a:fld>
-            <a:endParaRPr lang="en-US" dirty="0"/>
-          </a:p>
-        </p:txBody>
-      </p:sp>
-    </p:spTree>
-    <p:extLst>
-      <p:ext uri="{BB962C8B-B14F-4D97-AF65-F5344CB8AC3E}">
-        <p14:creationId xmlns:p14="http://schemas.microsoft.com/office/powerpoint/2010/main" val="3421780843"/>
-      </p:ext>
-    </p:extLst>
-  </p:cSld>
-  <p:clrMapOvr>
-    <a:masterClrMapping/>
-  </p:clrMapOvr>
-</p:notes>
-</file>
-
-<file path=ppt/notesSlides/notesSlide2.xml><?xml version="1.0" encoding="utf-8"?>
-<p:notes xmlns:a="http://schemas.openxmlformats.org/drawingml/2006/main" xmlns:r="http://schemas.openxmlformats.org/officeDocument/2006/relationships" xmlns:p="http://schemas.openxmlformats.org/presentationml/2006/main">
-  <p:cSld>
-    <p:spTree>
-      <p:nvGrpSpPr>
-        <p:cNvPr id="1" name=""/>
-        <p:cNvGrpSpPr/>
-        <p:nvPr/>
-      </p:nvGrpSpPr>
-      <p:grpSpPr>
-        <a:xfrm>
-          <a:off x="0" y="0"/>
-          <a:ext cx="0" cy="0"/>
-          <a:chOff x="0" y="0"/>
-          <a:chExt cx="0" cy="0"/>
-        </a:xfrm>
-      </p:grpSpPr>
-      <p:sp>
-        <p:nvSpPr>
-          <p:cNvPr id="2" name="Slide Image Placeholder 1"/>
-          <p:cNvSpPr>
-            <a:spLocks noGrp="1" noRot="1" noChangeAspect="1"/>
-          </p:cNvSpPr>
-          <p:nvPr>
-            <p:ph type="sldImg"/>
-          </p:nvPr>
-        </p:nvSpPr>
-        <p:spPr>
-          <a:xfrm>
-            <a:off x="685800" y="1143000"/>
-            <a:ext cx="5486400" cy="3086100"/>
-          </a:xfrm>
-        </p:spPr>
-      </p:sp>
-      <p:sp>
-        <p:nvSpPr>
-          <p:cNvPr id="3" name="Notes Placeholder 2"/>
-          <p:cNvSpPr>
-            <a:spLocks noGrp="1"/>
-          </p:cNvSpPr>
-          <p:nvPr>
-            <p:ph type="body" idx="1"/>
-          </p:nvPr>
-        </p:nvSpPr>
-        <p:spPr/>
-        <p:txBody>
-          <a:bodyPr/>
-          <a:lstStyle/>
-          <a:p>
-            <a:pPr marL="171450" indent="-171450">
-              <a:buFontTx/>
-              <a:buChar char="-"/>
-            </a:pPr>
-            <a:r>
-              <a:rPr lang="en-US" dirty="0"/>
-              <a:t>NN: any continuous function from input to output can be implemented in a three-layer net</a:t>
-            </a:r>
-          </a:p>
-          <a:p>
-            <a:pPr marL="171450" indent="-171450">
-              <a:buFontTx/>
-              <a:buChar char="-"/>
-            </a:pPr>
-            <a:r>
-              <a:rPr lang="en-US" dirty="0"/>
-              <a:t>RL: how software agent in the environment to maximize the reward</a:t>
-            </a:r>
-          </a:p>
-          <a:p>
-            <a:pPr marL="171450" indent="-171450">
-              <a:buFontTx/>
-              <a:buChar char="-"/>
-            </a:pPr>
-            <a:r>
-              <a:rPr lang="en-US" dirty="0"/>
-              <a:t>Meta L: learning to learn</a:t>
-            </a:r>
-          </a:p>
-          <a:p>
-            <a:pPr marL="171450" indent="-171450">
-              <a:buFontTx/>
-              <a:buChar char="-"/>
-            </a:pPr>
-            <a:r>
-              <a:rPr lang="en-US" dirty="0"/>
-              <a:t>Variational L: maps from a space of function to a real number to avoid integration of the P(X)</a:t>
-            </a:r>
-          </a:p>
-          <a:p>
-            <a:pPr marL="171450" indent="-171450">
-              <a:buFontTx/>
-              <a:buChar char="-"/>
-            </a:pPr>
-            <a:r>
-              <a:rPr lang="en-US" dirty="0"/>
-              <a:t>MCMC: </a:t>
-            </a:r>
-          </a:p>
-          <a:p>
-            <a:pPr marL="628650" lvl="1" indent="-171450">
-              <a:buFontTx/>
-              <a:buChar char="-"/>
-            </a:pPr>
-            <a:r>
-              <a:rPr lang="en-US" dirty="0"/>
-              <a:t>Monte Carlo: estimating a fixed parameter by repeatedly generating random numbers if the direct computation is impossible</a:t>
-            </a:r>
-          </a:p>
-          <a:p>
-            <a:pPr marL="628650" lvl="1" indent="-171450">
-              <a:buFontTx/>
-              <a:buChar char="-"/>
-            </a:pPr>
-            <a:r>
-              <a:rPr lang="en-US" dirty="0"/>
-              <a:t>Markov Chain: memoryless, only based on current state</a:t>
-            </a:r>
-          </a:p>
-          <a:p>
-            <a:pPr marL="628650" lvl="1" indent="-171450">
-              <a:buFontTx/>
-              <a:buChar char="-"/>
-            </a:pPr>
-            <a:r>
-              <a:rPr lang="en-US" dirty="0"/>
-              <a:t>https://www.cs.purdue.edu/homes/ribeirob/courses/Fall2018/lectures/MCMC.html</a:t>
-            </a:r>
-          </a:p>
-          <a:p>
-            <a:pPr marL="171450" indent="-171450">
-              <a:buFontTx/>
-              <a:buChar char="-"/>
-            </a:pPr>
-            <a:endParaRPr lang="en-US" dirty="0"/>
-          </a:p>
-        </p:txBody>
-      </p:sp>
-      <p:sp>
-        <p:nvSpPr>
-          <p:cNvPr id="4" name="Slide Number Placeholder 3"/>
-          <p:cNvSpPr>
-            <a:spLocks noGrp="1"/>
-          </p:cNvSpPr>
-          <p:nvPr>
-            <p:ph type="sldNum" sz="quarter" idx="10"/>
-          </p:nvPr>
-        </p:nvSpPr>
-        <p:spPr/>
-        <p:txBody>
-          <a:bodyPr/>
-          <a:lstStyle/>
-          <a:p>
-            <a:fld id="{DF61EA0F-A667-4B49-8422-0062BC55E249}" type="slidenum">
-              <a:rPr lang="en-US" smtClean="0"/>
-              <a:t>2</a:t>
-            </a:fld>
-            <a:endParaRPr lang="en-US" dirty="0"/>
-          </a:p>
-        </p:txBody>
-      </p:sp>
-    </p:spTree>
-    <p:extLst>
-      <p:ext uri="{BB962C8B-B14F-4D97-AF65-F5344CB8AC3E}">
-        <p14:creationId xmlns:p14="http://schemas.microsoft.com/office/powerpoint/2010/main" val="4248221423"/>
-      </p:ext>
-    </p:extLst>
-  </p:cSld>
-  <p:clrMapOvr>
-    <a:masterClrMapping/>
-  </p:clrMapOvr>
-</p:notes>
-</file>
-
-<file path=ppt/notesSlides/notesSlide3.xml><?xml version="1.0" encoding="utf-8"?>
-<p:notes xmlns:a="http://schemas.openxmlformats.org/drawingml/2006/main" xmlns:r="http://schemas.openxmlformats.org/officeDocument/2006/relationships" xmlns:p="http://schemas.openxmlformats.org/presentationml/2006/main">
-  <p:cSld>
-    <p:spTree>
-      <p:nvGrpSpPr>
-        <p:cNvPr id="1" name=""/>
-        <p:cNvGrpSpPr/>
-        <p:nvPr/>
-      </p:nvGrpSpPr>
-      <p:grpSpPr>
-        <a:xfrm>
-          <a:off x="0" y="0"/>
-          <a:ext cx="0" cy="0"/>
-          <a:chOff x="0" y="0"/>
-          <a:chExt cx="0" cy="0"/>
-        </a:xfrm>
-      </p:grpSpPr>
-      <p:sp>
-        <p:nvSpPr>
-          <p:cNvPr id="2" name="Slide Image Placeholder 1"/>
-          <p:cNvSpPr>
-            <a:spLocks noGrp="1" noRot="1" noChangeAspect="1"/>
-          </p:cNvSpPr>
-          <p:nvPr>
-            <p:ph type="sldImg"/>
-          </p:nvPr>
-        </p:nvSpPr>
-        <p:spPr/>
-      </p:sp>
-      <p:sp>
-        <p:nvSpPr>
-          <p:cNvPr id="3" name="Notes Placeholder 2"/>
-          <p:cNvSpPr>
-            <a:spLocks noGrp="1"/>
-          </p:cNvSpPr>
-          <p:nvPr>
-            <p:ph type="body" idx="1"/>
-          </p:nvPr>
-        </p:nvSpPr>
-        <p:spPr/>
-        <p:txBody>
-          <a:bodyPr/>
-          <a:lstStyle/>
-          <a:p>
-            <a:r>
-              <a:rPr lang="en-US" dirty="0"/>
-              <a:t>∂ \partial</a:t>
-            </a:r>
-          </a:p>
-        </p:txBody>
-      </p:sp>
-      <p:sp>
-        <p:nvSpPr>
-          <p:cNvPr id="4" name="Slide Number Placeholder 3"/>
-          <p:cNvSpPr>
-            <a:spLocks noGrp="1"/>
-          </p:cNvSpPr>
-          <p:nvPr>
-            <p:ph type="sldNum" sz="quarter" idx="5"/>
-          </p:nvPr>
-        </p:nvSpPr>
-        <p:spPr/>
-        <p:txBody>
-          <a:bodyPr/>
-          <a:lstStyle/>
-          <a:p>
-            <a:fld id="{DF61EA0F-A667-4B49-8422-0062BC55E249}" type="slidenum">
-              <a:rPr lang="en-US" smtClean="0"/>
-              <a:t>4</a:t>
-            </a:fld>
-            <a:endParaRPr lang="en-US" dirty="0"/>
-          </a:p>
-        </p:txBody>
-      </p:sp>
-    </p:spTree>
-    <p:extLst>
-      <p:ext uri="{BB962C8B-B14F-4D97-AF65-F5344CB8AC3E}">
-        <p14:creationId xmlns:p14="http://schemas.microsoft.com/office/powerpoint/2010/main" val="2301255231"/>
-      </p:ext>
-    </p:extLst>
-  </p:cSld>
-  <p:clrMapOvr>
-    <a:masterClrMapping/>
-  </p:clrMapOvr>
-</p:notes>
-</file>
-
-<file path=ppt/notesSlides/notesSlide4.xml><?xml version="1.0" encoding="utf-8"?>
-<p:notes xmlns:a="http://schemas.openxmlformats.org/drawingml/2006/main" xmlns:r="http://schemas.openxmlformats.org/officeDocument/2006/relationships" xmlns:p="http://schemas.openxmlformats.org/presentationml/2006/main">
-  <p:cSld>
-    <p:spTree>
-      <p:nvGrpSpPr>
-        <p:cNvPr id="1" name=""/>
-        <p:cNvGrpSpPr/>
-        <p:nvPr/>
-      </p:nvGrpSpPr>
-      <p:grpSpPr>
-        <a:xfrm>
-          <a:off x="0" y="0"/>
-          <a:ext cx="0" cy="0"/>
-          <a:chOff x="0" y="0"/>
-          <a:chExt cx="0" cy="0"/>
-        </a:xfrm>
-      </p:grpSpPr>
-      <p:sp>
-        <p:nvSpPr>
-          <p:cNvPr id="2" name="Slide Image Placeholder 1"/>
-          <p:cNvSpPr>
-            <a:spLocks noGrp="1" noRot="1" noChangeAspect="1"/>
-          </p:cNvSpPr>
-          <p:nvPr>
-            <p:ph type="sldImg"/>
-          </p:nvPr>
-        </p:nvSpPr>
-        <p:spPr>
-          <a:xfrm>
-            <a:off x="685800" y="1143000"/>
-            <a:ext cx="5486400" cy="3086100"/>
-          </a:xfrm>
-        </p:spPr>
-      </p:sp>
-      <p:sp>
-        <p:nvSpPr>
-          <p:cNvPr id="3" name="Notes Placeholder 2"/>
-          <p:cNvSpPr>
-            <a:spLocks noGrp="1"/>
-          </p:cNvSpPr>
-          <p:nvPr>
-            <p:ph type="body" idx="1"/>
-          </p:nvPr>
-        </p:nvSpPr>
-        <p:spPr/>
-        <p:txBody>
-          <a:bodyPr/>
-          <a:lstStyle/>
-          <a:p>
-            <a:r>
-              <a:rPr lang="en-US" altLang="zh-CN" dirty="0"/>
-              <a:t>-</a:t>
-            </a:r>
-            <a:r>
-              <a:rPr lang="zh-CN" altLang="en-US" dirty="0"/>
-              <a:t> </a:t>
-            </a:r>
-            <a:r>
-              <a:rPr lang="en-US" altLang="zh-CN" dirty="0"/>
-              <a:t>Conjugate</a:t>
-            </a:r>
-            <a:r>
-              <a:rPr lang="zh-CN" altLang="en-US" dirty="0"/>
-              <a:t> </a:t>
-            </a:r>
-            <a:r>
-              <a:rPr lang="en-US" altLang="zh-CN" dirty="0"/>
-              <a:t>GD:</a:t>
-            </a:r>
-            <a:r>
-              <a:rPr lang="zh-CN" altLang="en-US" dirty="0"/>
-              <a:t> </a:t>
-            </a:r>
-            <a:r>
-              <a:rPr lang="en-US" altLang="zh-CN" dirty="0"/>
-              <a:t>﻿employs a series of line searches in weight or parameter space.</a:t>
-            </a:r>
-            <a:endParaRPr lang="en-US" dirty="0"/>
-          </a:p>
-        </p:txBody>
-      </p:sp>
-      <p:sp>
-        <p:nvSpPr>
-          <p:cNvPr id="4" name="Slide Number Placeholder 3"/>
-          <p:cNvSpPr>
-            <a:spLocks noGrp="1"/>
-          </p:cNvSpPr>
-          <p:nvPr>
-            <p:ph type="sldNum" sz="quarter" idx="10"/>
-          </p:nvPr>
-        </p:nvSpPr>
-        <p:spPr/>
-        <p:txBody>
-          <a:bodyPr/>
-          <a:lstStyle/>
-          <a:p>
-            <a:fld id="{DF61EA0F-A667-4B49-8422-0062BC55E249}" type="slidenum">
-              <a:rPr lang="en-US" smtClean="0"/>
-              <a:t>5</a:t>
-            </a:fld>
-            <a:endParaRPr lang="en-US" dirty="0"/>
-          </a:p>
-        </p:txBody>
-      </p:sp>
-    </p:spTree>
-    <p:extLst>
-      <p:ext uri="{BB962C8B-B14F-4D97-AF65-F5344CB8AC3E}">
-        <p14:creationId xmlns:p14="http://schemas.microsoft.com/office/powerpoint/2010/main" val="596990511"/>
-      </p:ext>
-    </p:extLst>
-  </p:cSld>
-  <p:clrMapOvr>
-    <a:masterClrMapping/>
-  </p:clrMapOvr>
-</p:notes>
-</file>
-
-<file path=ppt/notesSlides/notesSlide5.xml><?xml version="1.0" encoding="utf-8"?>
-<p:notes xmlns:a="http://schemas.openxmlformats.org/drawingml/2006/main" xmlns:r="http://schemas.openxmlformats.org/officeDocument/2006/relationships" xmlns:p="http://schemas.openxmlformats.org/presentationml/2006/main">
-  <p:cSld>
-    <p:spTree>
-      <p:nvGrpSpPr>
-        <p:cNvPr id="1" name=""/>
-        <p:cNvGrpSpPr/>
-        <p:nvPr/>
-      </p:nvGrpSpPr>
-      <p:grpSpPr>
-        <a:xfrm>
-          <a:off x="0" y="0"/>
-          <a:ext cx="0" cy="0"/>
-          <a:chOff x="0" y="0"/>
-          <a:chExt cx="0" cy="0"/>
-        </a:xfrm>
-      </p:grpSpPr>
-      <p:sp>
-        <p:nvSpPr>
-          <p:cNvPr id="2" name="Slide Image Placeholder 1"/>
-          <p:cNvSpPr>
-            <a:spLocks noGrp="1" noRot="1" noChangeAspect="1"/>
-          </p:cNvSpPr>
-          <p:nvPr>
-            <p:ph type="sldImg"/>
-          </p:nvPr>
-        </p:nvSpPr>
-        <p:spPr>
-          <a:xfrm>
-            <a:off x="685800" y="1143000"/>
-            <a:ext cx="5486400" cy="3086100"/>
-          </a:xfrm>
-        </p:spPr>
-      </p:sp>
-      <p:sp>
-        <p:nvSpPr>
-          <p:cNvPr id="3" name="Notes Placeholder 2"/>
-          <p:cNvSpPr>
-            <a:spLocks noGrp="1"/>
-          </p:cNvSpPr>
-          <p:nvPr>
-            <p:ph type="body" idx="1"/>
-          </p:nvPr>
-        </p:nvSpPr>
-        <p:spPr/>
-        <p:txBody>
-          <a:bodyPr/>
-          <a:lstStyle/>
-          <a:p>
-            <a:r>
-              <a:rPr lang="en-US" dirty="0"/>
-              <a:t>In </a:t>
-            </a:r>
-            <a:r>
-              <a:rPr lang="en-US" baseline="0" dirty="0"/>
-              <a:t>Slide Show mode, select the arrows to visit links.</a:t>
-            </a:r>
-            <a:endParaRPr lang="en-US" dirty="0"/>
-          </a:p>
-        </p:txBody>
-      </p:sp>
-      <p:sp>
-        <p:nvSpPr>
-          <p:cNvPr id="4" name="Slide Number Placeholder 3"/>
-          <p:cNvSpPr>
-            <a:spLocks noGrp="1"/>
-          </p:cNvSpPr>
-          <p:nvPr>
-            <p:ph type="sldNum" sz="quarter" idx="10"/>
-          </p:nvPr>
-        </p:nvSpPr>
-        <p:spPr/>
-        <p:txBody>
-          <a:bodyPr/>
-          <a:lstStyle/>
-          <a:p>
-            <a:fld id="{DF61EA0F-A667-4B49-8422-0062BC55E249}" type="slidenum">
-              <a:rPr lang="en-US" smtClean="0"/>
-              <a:t>6</a:t>
-            </a:fld>
-            <a:endParaRPr lang="en-US" dirty="0"/>
-          </a:p>
-        </p:txBody>
-      </p:sp>
-    </p:spTree>
-    <p:extLst>
-      <p:ext uri="{BB962C8B-B14F-4D97-AF65-F5344CB8AC3E}">
-        <p14:creationId xmlns:p14="http://schemas.microsoft.com/office/powerpoint/2010/main" val="941466118"/>
-      </p:ext>
-    </p:extLst>
-  </p:cSld>
-  <p:clrMapOvr>
-    <a:masterClrMapping/>
-  </p:clrMapOvr>
-</p:notes>
-</file>
-
-<file path=ppt/notesSlides/notesSlide6.xml><?xml version="1.0" encoding="utf-8"?>
-<p:notes xmlns:a="http://schemas.openxmlformats.org/drawingml/2006/main" xmlns:r="http://schemas.openxmlformats.org/officeDocument/2006/relationships" xmlns:p="http://schemas.openxmlformats.org/presentationml/2006/main">
-  <p:cSld>
-    <p:spTree>
-      <p:nvGrpSpPr>
-        <p:cNvPr id="1" name=""/>
-        <p:cNvGrpSpPr/>
-        <p:nvPr/>
-      </p:nvGrpSpPr>
-      <p:grpSpPr>
-        <a:xfrm>
-          <a:off x="0" y="0"/>
-          <a:ext cx="0" cy="0"/>
-          <a:chOff x="0" y="0"/>
-          <a:chExt cx="0" cy="0"/>
-        </a:xfrm>
-      </p:grpSpPr>
-      <p:sp>
-        <p:nvSpPr>
-          <p:cNvPr id="2" name="Slide Image Placeholder 1"/>
-          <p:cNvSpPr>
-            <a:spLocks noGrp="1" noRot="1" noChangeAspect="1"/>
-          </p:cNvSpPr>
-          <p:nvPr>
-            <p:ph type="sldImg"/>
-          </p:nvPr>
-        </p:nvSpPr>
-        <p:spPr>
-          <a:xfrm>
-            <a:off x="685800" y="1143000"/>
-            <a:ext cx="5486400" cy="3086100"/>
-          </a:xfrm>
-        </p:spPr>
-      </p:sp>
-      <mc:AlternateContent xmlns:mc="http://schemas.openxmlformats.org/markup-compatibility/2006" xmlns:a14="http://schemas.microsoft.com/office/drawing/2010/main">
-        <mc:Choice Requires="a14">
-          <p:sp>
-            <p:nvSpPr>
-              <p:cNvPr id="3" name="Notes Placeholder 2"/>
-              <p:cNvSpPr>
-                <a:spLocks noGrp="1"/>
-              </p:cNvSpPr>
-              <p:nvPr>
-                <p:ph type="body" idx="1"/>
-              </p:nvPr>
-            </p:nvSpPr>
-            <p:spPr/>
-            <p:txBody>
-              <a:bodyPr/>
-              <a:lstStyle/>
-              <a:p>
-                <a:pPr marL="285750" indent="-285750">
-                  <a:buFontTx/>
-                  <a:buChar char="-"/>
-                </a:pPr>
-                <a:endParaRPr lang="en-US" altLang="zh-CN" dirty="0"/>
-              </a:p>
-            </p:txBody>
-          </p:sp>
-        </mc:Choice>
-        <mc:Fallback xmlns="">
-          <p:sp>
-            <p:nvSpPr>
-              <p:cNvPr id="3" name="Notes Placeholder 2"/>
-              <p:cNvSpPr>
-                <a:spLocks noGrp="1"/>
-              </p:cNvSpPr>
-              <p:nvPr>
-                <p:ph type="body" idx="1"/>
-              </p:nvPr>
-            </p:nvSpPr>
-            <p:spPr/>
-            <p:txBody>
-              <a:bodyPr/>
-              <a:lstStyle/>
-              <a:p>
-                <a:pPr marL="285750" indent="-285750">
-                  <a:buFontTx/>
-                  <a:buChar char="-"/>
-                </a:pPr>
-                <a:r>
-                  <a:rPr lang="en-US" altLang="zh-CN" dirty="0"/>
-                  <a:t>Newton’s</a:t>
-                </a:r>
-                <a:r>
-                  <a:rPr lang="zh-CN" altLang="en-US" dirty="0"/>
-                  <a:t> </a:t>
-                </a:r>
-                <a:r>
-                  <a:rPr lang="en-US" altLang="zh-CN" dirty="0"/>
-                  <a:t>Method:</a:t>
-                </a:r>
-                <a:r>
-                  <a:rPr lang="zh-CN" altLang="en-US" dirty="0"/>
-                  <a:t> </a:t>
-                </a:r>
-                <a:r>
-                  <a:rPr lang="en-US" altLang="zh-CN" b="1" i="0">
-                    <a:latin typeface="Cambria Math" panose="02040503050406030204" pitchFamily="18" charset="0"/>
-                    <a:ea typeface="Cambria Math" panose="02040503050406030204" pitchFamily="18" charset="0"/>
-                  </a:rPr>
-                  <a:t>〖𝚶(𝒏〗^𝟑)</a:t>
-                </a:r>
-                <a:endParaRPr lang="en-US" altLang="zh-CN" dirty="0"/>
-              </a:p>
-              <a:p>
-                <a:pPr marL="285750" marR="0" lvl="0" indent="-285750" algn="l" defTabSz="914400" rtl="0" eaLnBrk="1" fontAlgn="auto" latinLnBrk="0" hangingPunct="1">
-                  <a:lnSpc>
-                    <a:spcPct val="100000"/>
-                  </a:lnSpc>
-                  <a:spcBef>
-                    <a:spcPts val="0"/>
-                  </a:spcBef>
-                  <a:spcAft>
-                    <a:spcPts val="0"/>
-                  </a:spcAft>
-                  <a:buClrTx/>
-                  <a:buSzTx/>
-                  <a:buFontTx/>
-                  <a:buChar char="-"/>
-                  <a:tabLst/>
-                  <a:defRPr/>
-                </a:pPr>
-                <a:r>
-                  <a:rPr lang="en-US" altLang="zh-CN" dirty="0"/>
-                  <a:t>Newton’s</a:t>
-                </a:r>
-                <a:r>
-                  <a:rPr lang="zh-CN" altLang="en-US" dirty="0"/>
-                  <a:t> </a:t>
-                </a:r>
-                <a:r>
-                  <a:rPr lang="en-US" altLang="zh-CN" dirty="0"/>
-                  <a:t>Method:</a:t>
-                </a:r>
-                <a:r>
-                  <a:rPr lang="zh-CN" altLang="en-US" dirty="0"/>
-                  <a:t> </a:t>
-                </a:r>
-                <a:r>
-                  <a:rPr lang="en-US" altLang="zh-CN" b="1" i="0">
-                    <a:latin typeface="Cambria Math" panose="02040503050406030204" pitchFamily="18" charset="0"/>
-                    <a:ea typeface="Cambria Math" panose="02040503050406030204" pitchFamily="18" charset="0"/>
-                  </a:rPr>
-                  <a:t>〖𝚶(𝒏〗^𝟐)</a:t>
-                </a:r>
-                <a:endParaRPr lang="en-US" altLang="zh-CN" dirty="0"/>
-              </a:p>
-              <a:p>
-                <a:pPr marL="285750" indent="-285750">
-                  <a:buFontTx/>
-                  <a:buChar char="-"/>
-                </a:pPr>
-                <a:endParaRPr lang="en-US" altLang="zh-CN" dirty="0"/>
-              </a:p>
-            </p:txBody>
-          </p:sp>
-        </mc:Fallback>
-      </mc:AlternateContent>
-      <p:sp>
-        <p:nvSpPr>
-          <p:cNvPr id="4" name="Slide Number Placeholder 3"/>
-          <p:cNvSpPr>
-            <a:spLocks noGrp="1"/>
-          </p:cNvSpPr>
-          <p:nvPr>
-            <p:ph type="sldNum" sz="quarter" idx="10"/>
-          </p:nvPr>
-        </p:nvSpPr>
-        <p:spPr/>
-        <p:txBody>
-          <a:bodyPr/>
-          <a:lstStyle/>
-          <a:p>
-            <a:fld id="{DF61EA0F-A667-4B49-8422-0062BC55E249}" type="slidenum">
-              <a:rPr lang="en-US" smtClean="0"/>
-              <a:t>7</a:t>
-            </a:fld>
-            <a:endParaRPr lang="en-US" dirty="0"/>
-          </a:p>
-        </p:txBody>
-      </p:sp>
-    </p:spTree>
-    <p:extLst>
-      <p:ext uri="{BB962C8B-B14F-4D97-AF65-F5344CB8AC3E}">
-        <p14:creationId xmlns:p14="http://schemas.microsoft.com/office/powerpoint/2010/main" val="274479558"/>
-      </p:ext>
-    </p:extLst>
-  </p:cSld>
-  <p:clrMapOvr>
-    <a:masterClrMapping/>
-  </p:clrMapOvr>
-</p:notes>
-</file>
-
-<file path=ppt/notesSlides/notesSlide7.xml><?xml version="1.0" encoding="utf-8"?>
-<p:notes xmlns:a="http://schemas.openxmlformats.org/drawingml/2006/main" xmlns:r="http://schemas.openxmlformats.org/officeDocument/2006/relationships" xmlns:p="http://schemas.openxmlformats.org/presentationml/2006/main">
-  <p:cSld>
-    <p:spTree>
-      <p:nvGrpSpPr>
-        <p:cNvPr id="1" name=""/>
-        <p:cNvGrpSpPr/>
-        <p:nvPr/>
-      </p:nvGrpSpPr>
-      <p:grpSpPr>
-        <a:xfrm>
-          <a:off x="0" y="0"/>
-          <a:ext cx="0" cy="0"/>
-          <a:chOff x="0" y="0"/>
-          <a:chExt cx="0" cy="0"/>
-        </a:xfrm>
-      </p:grpSpPr>
-      <p:sp>
-        <p:nvSpPr>
-          <p:cNvPr id="2" name="Slide Image Placeholder 1"/>
-          <p:cNvSpPr>
-            <a:spLocks noGrp="1" noRot="1" noChangeAspect="1"/>
-          </p:cNvSpPr>
-          <p:nvPr>
-            <p:ph type="sldImg"/>
-          </p:nvPr>
-        </p:nvSpPr>
-        <p:spPr>
-          <a:xfrm>
-            <a:off x="685800" y="1143000"/>
-            <a:ext cx="5486400" cy="3086100"/>
-          </a:xfrm>
-        </p:spPr>
-      </p:sp>
-      <p:sp>
-        <p:nvSpPr>
-          <p:cNvPr id="3" name="Notes Placeholder 2"/>
-          <p:cNvSpPr>
-            <a:spLocks noGrp="1"/>
-          </p:cNvSpPr>
-          <p:nvPr>
-            <p:ph type="body" idx="1"/>
-          </p:nvPr>
-        </p:nvSpPr>
-        <p:spPr/>
-        <p:txBody>
-          <a:bodyPr/>
-          <a:lstStyle/>
-          <a:p>
-            <a:pPr marL="285750" indent="-285750">
-              <a:buFontTx/>
-              <a:buChar char="-"/>
-            </a:pPr>
-            <a:r>
-              <a:rPr lang="en-CN" altLang="zh-CN" dirty="0"/>
-              <a:t>stationary</a:t>
-            </a:r>
-            <a:r>
-              <a:rPr lang="zh-CN" altLang="en-US" dirty="0"/>
-              <a:t> </a:t>
-            </a:r>
-            <a:r>
-              <a:rPr lang="en-US" altLang="zh-CN" sz="1800" kern="1200" dirty="0">
-                <a:solidFill>
-                  <a:schemeClr val="tx1"/>
-                </a:solidFill>
-                <a:latin typeface="+mn-lt"/>
-                <a:ea typeface="+mn-ea"/>
-                <a:cs typeface="+mn-cs"/>
-              </a:rPr>
-              <a:t>process</a:t>
-            </a:r>
-            <a:r>
-              <a:rPr lang="en-US" altLang="zh-CN" dirty="0"/>
-              <a:t>:</a:t>
-            </a:r>
-            <a:r>
-              <a:rPr lang="zh-CN" altLang="en-US" dirty="0"/>
-              <a:t> </a:t>
-            </a:r>
-            <a:r>
-              <a:rPr lang="en-US" sz="1800" kern="1200" dirty="0">
-                <a:solidFill>
-                  <a:schemeClr val="tx1"/>
-                </a:solidFill>
-                <a:latin typeface="+mn-lt"/>
-                <a:ea typeface="+mn-ea"/>
-                <a:cs typeface="+mn-cs"/>
-              </a:rPr>
-              <a:t>whose unconditional </a:t>
-            </a:r>
-            <a:r>
-              <a:rPr lang="en-US" sz="1800" kern="1200" dirty="0">
-                <a:solidFill>
-                  <a:schemeClr val="tx1"/>
-                </a:solidFill>
-                <a:latin typeface="+mn-lt"/>
-                <a:ea typeface="+mn-ea"/>
-                <a:cs typeface="+mn-cs"/>
-                <a:hlinkClick r:id="rId3" tooltip="Joint probability distribution">
-                  <a:extLst>
-                    <a:ext uri="{A12FA001-AC4F-418D-AE19-62706E023703}">
-                      <ahyp:hlinkClr xmlns:ahyp="http://schemas.microsoft.com/office/drawing/2018/hyperlinkcolor" val="tx"/>
-                    </a:ext>
-                  </a:extLst>
-                </a:hlinkClick>
-              </a:rPr>
-              <a:t>joint probability distribution</a:t>
-            </a:r>
-            <a:r>
-              <a:rPr lang="en-US" sz="1800" kern="1200" dirty="0">
-                <a:solidFill>
-                  <a:schemeClr val="tx1"/>
-                </a:solidFill>
-                <a:latin typeface="+mn-lt"/>
-                <a:ea typeface="+mn-ea"/>
-                <a:cs typeface="+mn-cs"/>
-              </a:rPr>
-              <a:t> does not change when shifted in time. Consequently, parameters such as </a:t>
-            </a:r>
-            <a:r>
-              <a:rPr lang="en-US" sz="1800" kern="1200" dirty="0">
-                <a:solidFill>
-                  <a:schemeClr val="tx1"/>
-                </a:solidFill>
-                <a:latin typeface="+mn-lt"/>
-                <a:ea typeface="+mn-ea"/>
-                <a:cs typeface="+mn-cs"/>
-                <a:hlinkClick r:id="rId4" tooltip="Mean">
-                  <a:extLst>
-                    <a:ext uri="{A12FA001-AC4F-418D-AE19-62706E023703}">
-                      <ahyp:hlinkClr xmlns:ahyp="http://schemas.microsoft.com/office/drawing/2018/hyperlinkcolor" val="tx"/>
-                    </a:ext>
-                  </a:extLst>
-                </a:hlinkClick>
-              </a:rPr>
-              <a:t>mean</a:t>
-            </a:r>
-            <a:r>
-              <a:rPr lang="en-US" sz="1800" kern="1200" dirty="0">
-                <a:solidFill>
-                  <a:schemeClr val="tx1"/>
-                </a:solidFill>
-                <a:latin typeface="+mn-lt"/>
-                <a:ea typeface="+mn-ea"/>
-                <a:cs typeface="+mn-cs"/>
-              </a:rPr>
-              <a:t> and </a:t>
-            </a:r>
-            <a:r>
-              <a:rPr lang="en-US" sz="1800" kern="1200" dirty="0">
-                <a:solidFill>
-                  <a:schemeClr val="tx1"/>
-                </a:solidFill>
-                <a:latin typeface="+mn-lt"/>
-                <a:ea typeface="+mn-ea"/>
-                <a:cs typeface="+mn-cs"/>
-                <a:hlinkClick r:id="rId5" tooltip="Variance">
-                  <a:extLst>
-                    <a:ext uri="{A12FA001-AC4F-418D-AE19-62706E023703}">
-                      <ahyp:hlinkClr xmlns:ahyp="http://schemas.microsoft.com/office/drawing/2018/hyperlinkcolor" val="tx"/>
-                    </a:ext>
-                  </a:extLst>
-                </a:hlinkClick>
-              </a:rPr>
-              <a:t>variance</a:t>
-            </a:r>
-            <a:r>
-              <a:rPr lang="en-US" sz="1800" kern="1200" dirty="0">
-                <a:solidFill>
-                  <a:schemeClr val="tx1"/>
-                </a:solidFill>
-                <a:latin typeface="+mn-lt"/>
-                <a:ea typeface="+mn-ea"/>
-                <a:cs typeface="+mn-cs"/>
-              </a:rPr>
-              <a:t> also do not change over time. </a:t>
-            </a:r>
-            <a:endParaRPr lang="en-US" altLang="zh-CN" sz="1800" kern="1200" dirty="0">
-              <a:solidFill>
-                <a:schemeClr val="tx1"/>
-              </a:solidFill>
-              <a:latin typeface="+mn-lt"/>
-              <a:ea typeface="+mn-ea"/>
-              <a:cs typeface="+mn-cs"/>
-            </a:endParaRPr>
-          </a:p>
-        </p:txBody>
-      </p:sp>
-      <p:sp>
-        <p:nvSpPr>
-          <p:cNvPr id="4" name="Slide Number Placeholder 3"/>
-          <p:cNvSpPr>
-            <a:spLocks noGrp="1"/>
-          </p:cNvSpPr>
-          <p:nvPr>
-            <p:ph type="sldNum" sz="quarter" idx="10"/>
-          </p:nvPr>
-        </p:nvSpPr>
-        <p:spPr/>
-        <p:txBody>
-          <a:bodyPr/>
-          <a:lstStyle/>
-          <a:p>
-            <a:fld id="{DF61EA0F-A667-4B49-8422-0062BC55E249}" type="slidenum">
-              <a:rPr lang="en-US" smtClean="0"/>
-              <a:t>8</a:t>
-            </a:fld>
-            <a:endParaRPr lang="en-US" dirty="0"/>
-          </a:p>
-        </p:txBody>
-      </p:sp>
-    </p:spTree>
-    <p:extLst>
-      <p:ext uri="{BB962C8B-B14F-4D97-AF65-F5344CB8AC3E}">
-        <p14:creationId xmlns:p14="http://schemas.microsoft.com/office/powerpoint/2010/main" val="1052497680"/>
-      </p:ext>
-    </p:extLst>
-  </p:cSld>
-  <p:clrMapOvr>
-    <a:masterClrMapping/>
-  </p:clrMapOvr>
-</p:notes>
-</file>
-
-<file path=ppt/notesSlides/notesSlide8.xml><?xml version="1.0" encoding="utf-8"?>
-<p:notes xmlns:a="http://schemas.openxmlformats.org/drawingml/2006/main" xmlns:r="http://schemas.openxmlformats.org/officeDocument/2006/relationships" xmlns:p="http://schemas.openxmlformats.org/presentationml/2006/main">
-  <p:cSld>
-    <p:spTree>
-      <p:nvGrpSpPr>
-        <p:cNvPr id="1" name=""/>
-        <p:cNvGrpSpPr/>
-        <p:nvPr/>
-      </p:nvGrpSpPr>
-      <p:grpSpPr>
-        <a:xfrm>
-          <a:off x="0" y="0"/>
-          <a:ext cx="0" cy="0"/>
-          <a:chOff x="0" y="0"/>
-          <a:chExt cx="0" cy="0"/>
-        </a:xfrm>
-      </p:grpSpPr>
-      <p:sp>
-        <p:nvSpPr>
-          <p:cNvPr id="2" name="Slide Image Placeholder 1"/>
-          <p:cNvSpPr>
-            <a:spLocks noGrp="1" noRot="1" noChangeAspect="1"/>
-          </p:cNvSpPr>
-          <p:nvPr>
-            <p:ph type="sldImg"/>
-          </p:nvPr>
-        </p:nvSpPr>
-        <p:spPr/>
-      </p:sp>
-      <p:sp>
-        <p:nvSpPr>
-          <p:cNvPr id="3" name="Notes Placeholder 2"/>
-          <p:cNvSpPr>
-            <a:spLocks noGrp="1"/>
-          </p:cNvSpPr>
-          <p:nvPr>
-            <p:ph type="body" idx="1"/>
-          </p:nvPr>
-        </p:nvSpPr>
-        <p:spPr/>
-        <p:txBody>
-          <a:bodyPr/>
-          <a:lstStyle/>
-          <a:p>
-            <a:r>
-              <a:rPr lang="en-CN" dirty="0"/>
-              <a:t>Adaptive</a:t>
-            </a:r>
-            <a:r>
-              <a:rPr lang="zh-CN" altLang="en-US" dirty="0"/>
-              <a:t> </a:t>
-            </a:r>
-            <a:r>
-              <a:rPr lang="en-US" altLang="zh-CN" dirty="0"/>
-              <a:t>Moment</a:t>
-            </a:r>
-            <a:r>
-              <a:rPr lang="zh-CN" altLang="en-US" dirty="0"/>
-              <a:t> </a:t>
-            </a:r>
-            <a:r>
-              <a:rPr lang="en-US" altLang="zh-CN" dirty="0"/>
-              <a:t>Estimation</a:t>
-            </a:r>
-            <a:endParaRPr lang="en-CN" dirty="0"/>
-          </a:p>
-        </p:txBody>
-      </p:sp>
-      <p:sp>
-        <p:nvSpPr>
-          <p:cNvPr id="4" name="Slide Number Placeholder 3"/>
-          <p:cNvSpPr>
-            <a:spLocks noGrp="1"/>
-          </p:cNvSpPr>
-          <p:nvPr>
-            <p:ph type="sldNum" sz="quarter" idx="5"/>
-          </p:nvPr>
-        </p:nvSpPr>
-        <p:spPr/>
-        <p:txBody>
-          <a:bodyPr/>
-          <a:lstStyle/>
-          <a:p>
-            <a:fld id="{DF61EA0F-A667-4B49-8422-0062BC55E249}" type="slidenum">
-              <a:rPr lang="en-US" smtClean="0"/>
-              <a:t>9</a:t>
-            </a:fld>
-            <a:endParaRPr lang="en-US" dirty="0"/>
-          </a:p>
-        </p:txBody>
-      </p:sp>
-    </p:spTree>
-    <p:extLst>
-      <p:ext uri="{BB962C8B-B14F-4D97-AF65-F5344CB8AC3E}">
-        <p14:creationId xmlns:p14="http://schemas.microsoft.com/office/powerpoint/2010/main" val="2984940231"/>
-      </p:ext>
-    </p:extLst>
-  </p:cSld>
-  <p:clrMapOvr>
-    <a:masterClrMapping/>
-  </p:clrMapOvr>
-</p:notes>
-</file>
-
-<file path=ppt/notesSlides/notesSlide9.xml><?xml version="1.0" encoding="utf-8"?>
-<p:notes xmlns:a="http://schemas.openxmlformats.org/drawingml/2006/main" xmlns:r="http://schemas.openxmlformats.org/officeDocument/2006/relationships" xmlns:p="http://schemas.openxmlformats.org/presentationml/2006/main">
-  <p:cSld>
-    <p:spTree>
-      <p:nvGrpSpPr>
-        <p:cNvPr id="1" name=""/>
-        <p:cNvGrpSpPr/>
-        <p:nvPr/>
-      </p:nvGrpSpPr>
-      <p:grpSpPr>
-        <a:xfrm>
-          <a:off x="0" y="0"/>
-          <a:ext cx="0" cy="0"/>
-          <a:chOff x="0" y="0"/>
-          <a:chExt cx="0" cy="0"/>
-        </a:xfrm>
-      </p:grpSpPr>
-      <p:sp>
-        <p:nvSpPr>
-          <p:cNvPr id="2" name="Slide Image Placeholder 1"/>
-          <p:cNvSpPr>
-            <a:spLocks noGrp="1" noRot="1" noChangeAspect="1"/>
-          </p:cNvSpPr>
-          <p:nvPr>
-            <p:ph type="sldImg"/>
-          </p:nvPr>
-        </p:nvSpPr>
         <p:spPr>
           <a:xfrm>
             <a:off x="685800" y="1143000"/>
@@ -2691,6 +1200,1641 @@
     <p:extLst>
       <p:ext uri="{BB962C8B-B14F-4D97-AF65-F5344CB8AC3E}">
         <p14:creationId xmlns:p14="http://schemas.microsoft.com/office/powerpoint/2010/main" val="2087697988"/>
+      </p:ext>
+    </p:extLst>
+  </p:cSld>
+  <p:clrMapOvr>
+    <a:masterClrMapping/>
+  </p:clrMapOvr>
+</p:notes>
+</file>
+
+<file path=ppt/notesSlides/notesSlide11.xml><?xml version="1.0" encoding="utf-8"?>
+<p:notes xmlns:a="http://schemas.openxmlformats.org/drawingml/2006/main" xmlns:r="http://schemas.openxmlformats.org/officeDocument/2006/relationships" xmlns:p="http://schemas.openxmlformats.org/presentationml/2006/main">
+  <p:cSld>
+    <p:spTree>
+      <p:nvGrpSpPr>
+        <p:cNvPr id="1" name=""/>
+        <p:cNvGrpSpPr/>
+        <p:nvPr/>
+      </p:nvGrpSpPr>
+      <p:grpSpPr>
+        <a:xfrm>
+          <a:off x="0" y="0"/>
+          <a:ext cx="0" cy="0"/>
+          <a:chOff x="0" y="0"/>
+          <a:chExt cx="0" cy="0"/>
+        </a:xfrm>
+      </p:grpSpPr>
+      <p:sp>
+        <p:nvSpPr>
+          <p:cNvPr id="2" name="Slide Image Placeholder 1"/>
+          <p:cNvSpPr>
+            <a:spLocks noGrp="1" noRot="1" noChangeAspect="1"/>
+          </p:cNvSpPr>
+          <p:nvPr>
+            <p:ph type="sldImg"/>
+          </p:nvPr>
+        </p:nvSpPr>
+        <p:spPr/>
+      </p:sp>
+      <p:sp>
+        <p:nvSpPr>
+          <p:cNvPr id="3" name="Notes Placeholder 2"/>
+          <p:cNvSpPr>
+            <a:spLocks noGrp="1"/>
+          </p:cNvSpPr>
+          <p:nvPr>
+            <p:ph type="body" idx="1"/>
+          </p:nvPr>
+        </p:nvSpPr>
+        <p:spPr/>
+        <p:txBody>
+          <a:bodyPr/>
+          <a:lstStyle/>
+          <a:p>
+            <a:r>
+              <a:rPr lang="en-US" altLang="zh-CN" dirty="0"/>
+              <a:t>Left:</a:t>
+            </a:r>
+            <a:r>
+              <a:rPr lang="zh-CN" altLang="en-US" dirty="0"/>
+              <a:t> </a:t>
+            </a:r>
+            <a:r>
+              <a:rPr lang="en-US" altLang="zh-CN" dirty="0"/>
+              <a:t>﻿The </a:t>
+            </a:r>
+            <a:r>
+              <a:rPr lang="en-US" altLang="zh-CN" dirty="0" err="1"/>
+              <a:t>quickprop</a:t>
+            </a:r>
+            <a:r>
+              <a:rPr lang="en-US" altLang="zh-CN" dirty="0"/>
+              <a:t> weight update takes the error derivatives at two points separated by</a:t>
+            </a:r>
+            <a:r>
+              <a:rPr lang="zh-CN" altLang="en-US" dirty="0"/>
+              <a:t> </a:t>
+            </a:r>
+            <a:r>
+              <a:rPr lang="en-US" altLang="zh-CN" dirty="0"/>
+              <a:t>a known amount, and by</a:t>
+            </a:r>
+            <a:r>
+              <a:rPr lang="zh-CN" altLang="en-US" dirty="0"/>
+              <a:t> </a:t>
+            </a:r>
+            <a:r>
+              <a:rPr lang="en-US" altLang="zh-CN" dirty="0"/>
+              <a:t>Eq. 51 makes its next weight value. If the error can be fully</a:t>
+            </a:r>
+            <a:r>
+              <a:rPr lang="zh-CN" altLang="en-US" dirty="0"/>
+              <a:t> </a:t>
+            </a:r>
+            <a:r>
+              <a:rPr lang="en-US" altLang="zh-CN" dirty="0"/>
+              <a:t>expressed as a second-order function, then the weight update</a:t>
+            </a:r>
+            <a:endParaRPr lang="en-US" dirty="0"/>
+          </a:p>
+          <a:p>
+            <a:endParaRPr lang="en-CN" dirty="0"/>
+          </a:p>
+          <a:p>
+            <a:r>
+              <a:rPr lang="en-US" altLang="zh-CN" dirty="0"/>
+              <a:t>Right:</a:t>
+            </a:r>
+            <a:r>
+              <a:rPr lang="zh-CN" altLang="en-US" dirty="0"/>
+              <a:t> </a:t>
+            </a:r>
+            <a:r>
+              <a:rPr lang="en-US" altLang="zh-CN" dirty="0"/>
+              <a:t>﻿Conjugate gradient descent in weight space employs a sequence of line searches. If ∆w(1) is the first descent direction, the second direction obeys ∆</a:t>
+            </a:r>
+            <a:r>
+              <a:rPr lang="en-US" altLang="zh-CN" dirty="0" err="1"/>
+              <a:t>wt</a:t>
+            </a:r>
+            <a:r>
+              <a:rPr lang="en-US" altLang="zh-CN" dirty="0"/>
+              <a:t>(1)</a:t>
+            </a:r>
+            <a:r>
+              <a:rPr lang="en-US" altLang="zh-CN" dirty="0" err="1"/>
+              <a:t>H∆w</a:t>
+            </a:r>
+            <a:r>
+              <a:rPr lang="en-US" altLang="zh-CN" dirty="0"/>
+              <a:t>(2) = 0. Note especially</a:t>
+            </a:r>
+            <a:r>
+              <a:rPr lang="zh-CN" altLang="en-US" dirty="0"/>
+              <a:t> </a:t>
+            </a:r>
+            <a:r>
+              <a:rPr lang="en-US" altLang="zh-CN" dirty="0"/>
+              <a:t>that along this second descent, the gradient changes only</a:t>
+            </a:r>
+            <a:r>
+              <a:rPr lang="zh-CN" altLang="en-US" dirty="0"/>
+              <a:t> </a:t>
+            </a:r>
+            <a:r>
+              <a:rPr lang="en-US" altLang="zh-CN" dirty="0"/>
+              <a:t>in magnitude, not direction; as such the second descent does not “spoil” the contribution due to the previous line search. In the case where the Hessian is diagonal (right), the directions of the line searches are orthogonal.</a:t>
+            </a:r>
+            <a:endParaRPr lang="en-CN" dirty="0"/>
+          </a:p>
+          <a:p>
+            <a:endParaRPr lang="en-CN" dirty="0"/>
+          </a:p>
+        </p:txBody>
+      </p:sp>
+      <p:sp>
+        <p:nvSpPr>
+          <p:cNvPr id="4" name="Slide Number Placeholder 3"/>
+          <p:cNvSpPr>
+            <a:spLocks noGrp="1"/>
+          </p:cNvSpPr>
+          <p:nvPr>
+            <p:ph type="sldNum" sz="quarter" idx="5"/>
+          </p:nvPr>
+        </p:nvSpPr>
+        <p:spPr/>
+        <p:txBody>
+          <a:bodyPr/>
+          <a:lstStyle/>
+          <a:p>
+            <a:fld id="{DF61EA0F-A667-4B49-8422-0062BC55E249}" type="slidenum">
+              <a:rPr lang="en-US" smtClean="0"/>
+              <a:t>12</a:t>
+            </a:fld>
+            <a:endParaRPr lang="en-US" dirty="0"/>
+          </a:p>
+        </p:txBody>
+      </p:sp>
+    </p:spTree>
+    <p:extLst>
+      <p:ext uri="{BB962C8B-B14F-4D97-AF65-F5344CB8AC3E}">
+        <p14:creationId xmlns:p14="http://schemas.microsoft.com/office/powerpoint/2010/main" val="1919789098"/>
+      </p:ext>
+    </p:extLst>
+  </p:cSld>
+  <p:clrMapOvr>
+    <a:masterClrMapping/>
+  </p:clrMapOvr>
+</p:notes>
+</file>
+
+<file path=ppt/notesSlides/notesSlide12.xml><?xml version="1.0" encoding="utf-8"?>
+<p:notes xmlns:a="http://schemas.openxmlformats.org/drawingml/2006/main" xmlns:r="http://schemas.openxmlformats.org/officeDocument/2006/relationships" xmlns:p="http://schemas.openxmlformats.org/presentationml/2006/main">
+  <p:cSld>
+    <p:spTree>
+      <p:nvGrpSpPr>
+        <p:cNvPr id="1" name=""/>
+        <p:cNvGrpSpPr/>
+        <p:nvPr/>
+      </p:nvGrpSpPr>
+      <p:grpSpPr>
+        <a:xfrm>
+          <a:off x="0" y="0"/>
+          <a:ext cx="0" cy="0"/>
+          <a:chOff x="0" y="0"/>
+          <a:chExt cx="0" cy="0"/>
+        </a:xfrm>
+      </p:grpSpPr>
+      <p:sp>
+        <p:nvSpPr>
+          <p:cNvPr id="2" name="Slide Image Placeholder 1"/>
+          <p:cNvSpPr>
+            <a:spLocks noGrp="1" noRot="1" noChangeAspect="1"/>
+          </p:cNvSpPr>
+          <p:nvPr>
+            <p:ph type="sldImg"/>
+          </p:nvPr>
+        </p:nvSpPr>
+        <p:spPr>
+          <a:xfrm>
+            <a:off x="685800" y="1143000"/>
+            <a:ext cx="5486400" cy="3086100"/>
+          </a:xfrm>
+        </p:spPr>
+      </p:sp>
+      <p:sp>
+        <p:nvSpPr>
+          <p:cNvPr id="3" name="Notes Placeholder 2"/>
+          <p:cNvSpPr>
+            <a:spLocks noGrp="1"/>
+          </p:cNvSpPr>
+          <p:nvPr>
+            <p:ph type="body" idx="1"/>
+          </p:nvPr>
+        </p:nvSpPr>
+        <p:spPr/>
+        <p:txBody>
+          <a:bodyPr/>
+          <a:lstStyle/>
+          <a:p>
+            <a:pPr marL="285750" indent="-285750">
+              <a:buFontTx/>
+              <a:buChar char="-"/>
+            </a:pPr>
+            <a:endParaRPr lang="en-US" altLang="zh-CN" dirty="0"/>
+          </a:p>
+        </p:txBody>
+      </p:sp>
+      <p:sp>
+        <p:nvSpPr>
+          <p:cNvPr id="4" name="Slide Number Placeholder 3"/>
+          <p:cNvSpPr>
+            <a:spLocks noGrp="1"/>
+          </p:cNvSpPr>
+          <p:nvPr>
+            <p:ph type="sldNum" sz="quarter" idx="10"/>
+          </p:nvPr>
+        </p:nvSpPr>
+        <p:spPr/>
+        <p:txBody>
+          <a:bodyPr/>
+          <a:lstStyle/>
+          <a:p>
+            <a:fld id="{DF61EA0F-A667-4B49-8422-0062BC55E249}" type="slidenum">
+              <a:rPr lang="en-US" smtClean="0"/>
+              <a:t>13</a:t>
+            </a:fld>
+            <a:endParaRPr lang="en-US" dirty="0"/>
+          </a:p>
+        </p:txBody>
+      </p:sp>
+    </p:spTree>
+    <p:extLst>
+      <p:ext uri="{BB962C8B-B14F-4D97-AF65-F5344CB8AC3E}">
+        <p14:creationId xmlns:p14="http://schemas.microsoft.com/office/powerpoint/2010/main" val="2540006574"/>
+      </p:ext>
+    </p:extLst>
+  </p:cSld>
+  <p:clrMapOvr>
+    <a:masterClrMapping/>
+  </p:clrMapOvr>
+</p:notes>
+</file>
+
+<file path=ppt/notesSlides/notesSlide13.xml><?xml version="1.0" encoding="utf-8"?>
+<p:notes xmlns:a="http://schemas.openxmlformats.org/drawingml/2006/main" xmlns:r="http://schemas.openxmlformats.org/officeDocument/2006/relationships" xmlns:p="http://schemas.openxmlformats.org/presentationml/2006/main">
+  <p:cSld>
+    <p:spTree>
+      <p:nvGrpSpPr>
+        <p:cNvPr id="1" name=""/>
+        <p:cNvGrpSpPr/>
+        <p:nvPr/>
+      </p:nvGrpSpPr>
+      <p:grpSpPr>
+        <a:xfrm>
+          <a:off x="0" y="0"/>
+          <a:ext cx="0" cy="0"/>
+          <a:chOff x="0" y="0"/>
+          <a:chExt cx="0" cy="0"/>
+        </a:xfrm>
+      </p:grpSpPr>
+      <p:sp>
+        <p:nvSpPr>
+          <p:cNvPr id="2" name="Slide Image Placeholder 1"/>
+          <p:cNvSpPr>
+            <a:spLocks noGrp="1" noRot="1" noChangeAspect="1"/>
+          </p:cNvSpPr>
+          <p:nvPr>
+            <p:ph type="sldImg"/>
+          </p:nvPr>
+        </p:nvSpPr>
+        <p:spPr/>
+      </p:sp>
+      <p:sp>
+        <p:nvSpPr>
+          <p:cNvPr id="3" name="Notes Placeholder 2"/>
+          <p:cNvSpPr>
+            <a:spLocks noGrp="1"/>
+          </p:cNvSpPr>
+          <p:nvPr>
+            <p:ph type="body" idx="1"/>
+          </p:nvPr>
+        </p:nvSpPr>
+        <p:spPr/>
+        <p:txBody>
+          <a:bodyPr/>
+          <a:lstStyle/>
+          <a:p>
+            <a:r>
+              <a:rPr lang="en-US" altLang="zh-CN" dirty="0"/>
+              <a:t>right:</a:t>
+            </a:r>
+            <a:r>
+              <a:rPr lang="zh-CN" altLang="en-US" dirty="0"/>
+              <a:t> </a:t>
+            </a:r>
+            <a:r>
+              <a:rPr lang="en-US" dirty="0"/>
+              <a:t>One of them is having a non-</a:t>
+            </a:r>
+            <a:r>
+              <a:rPr lang="en-US" dirty="0">
+                <a:hlinkClick r:id="rId3" tooltip="Smoothness"/>
+              </a:rPr>
+              <a:t>smooth</a:t>
+            </a:r>
+            <a:r>
+              <a:rPr lang="en-US" dirty="0"/>
+              <a:t> multivariable function. The following picture shows that coordinate descent iteration may get stuck at a non-</a:t>
+            </a:r>
+            <a:r>
+              <a:rPr lang="en-US" dirty="0">
+                <a:hlinkClick r:id="rId4" tooltip="Stationary point"/>
+              </a:rPr>
+              <a:t>stationary point</a:t>
+            </a:r>
+            <a:r>
+              <a:rPr lang="en-US" dirty="0"/>
+              <a:t> if the level curves of a function are not smooth. Suppose that the algorithm is at the point (-2, -2); then there are two axis-aligned directions it can consider for taking a step, indicated by the red arrows. However, every step along these two directions will increase the objective function's value (assuming a minimization problem), so the algorithm will not take any step, even though both steps together would bring the algorithm closer to the optimum. While this example shows that coordinate descent is not necessarily convergent to the optimum, it is possible to show formal convergence under reasonable conditions.</a:t>
+            </a:r>
+            <a:r>
+              <a:rPr lang="en-US" baseline="30000" dirty="0">
+                <a:hlinkClick r:id="rId5"/>
+              </a:rPr>
+              <a:t>[3]</a:t>
+            </a:r>
+            <a:endParaRPr lang="en-CN" dirty="0"/>
+          </a:p>
+        </p:txBody>
+      </p:sp>
+      <p:sp>
+        <p:nvSpPr>
+          <p:cNvPr id="4" name="Slide Number Placeholder 3"/>
+          <p:cNvSpPr>
+            <a:spLocks noGrp="1"/>
+          </p:cNvSpPr>
+          <p:nvPr>
+            <p:ph type="sldNum" sz="quarter" idx="5"/>
+          </p:nvPr>
+        </p:nvSpPr>
+        <p:spPr/>
+        <p:txBody>
+          <a:bodyPr/>
+          <a:lstStyle/>
+          <a:p>
+            <a:fld id="{DF61EA0F-A667-4B49-8422-0062BC55E249}" type="slidenum">
+              <a:rPr lang="en-US" smtClean="0"/>
+              <a:t>14</a:t>
+            </a:fld>
+            <a:endParaRPr lang="en-US" dirty="0"/>
+          </a:p>
+        </p:txBody>
+      </p:sp>
+    </p:spTree>
+    <p:extLst>
+      <p:ext uri="{BB962C8B-B14F-4D97-AF65-F5344CB8AC3E}">
+        <p14:creationId xmlns:p14="http://schemas.microsoft.com/office/powerpoint/2010/main" val="597373796"/>
+      </p:ext>
+    </p:extLst>
+  </p:cSld>
+  <p:clrMapOvr>
+    <a:masterClrMapping/>
+  </p:clrMapOvr>
+</p:notes>
+</file>
+
+<file path=ppt/notesSlides/notesSlide14.xml><?xml version="1.0" encoding="utf-8"?>
+<p:notes xmlns:a="http://schemas.openxmlformats.org/drawingml/2006/main" xmlns:r="http://schemas.openxmlformats.org/officeDocument/2006/relationships" xmlns:p="http://schemas.openxmlformats.org/presentationml/2006/main">
+  <p:cSld>
+    <p:spTree>
+      <p:nvGrpSpPr>
+        <p:cNvPr id="1" name=""/>
+        <p:cNvGrpSpPr/>
+        <p:nvPr/>
+      </p:nvGrpSpPr>
+      <p:grpSpPr>
+        <a:xfrm>
+          <a:off x="0" y="0"/>
+          <a:ext cx="0" cy="0"/>
+          <a:chOff x="0" y="0"/>
+          <a:chExt cx="0" cy="0"/>
+        </a:xfrm>
+      </p:grpSpPr>
+      <p:sp>
+        <p:nvSpPr>
+          <p:cNvPr id="2" name="Slide Image Placeholder 1"/>
+          <p:cNvSpPr>
+            <a:spLocks noGrp="1" noRot="1" noChangeAspect="1"/>
+          </p:cNvSpPr>
+          <p:nvPr>
+            <p:ph type="sldImg"/>
+          </p:nvPr>
+        </p:nvSpPr>
+        <p:spPr>
+          <a:xfrm>
+            <a:off x="685800" y="1143000"/>
+            <a:ext cx="5486400" cy="3086100"/>
+          </a:xfrm>
+        </p:spPr>
+      </p:sp>
+      <p:sp>
+        <p:nvSpPr>
+          <p:cNvPr id="3" name="Notes Placeholder 2"/>
+          <p:cNvSpPr>
+            <a:spLocks noGrp="1"/>
+          </p:cNvSpPr>
+          <p:nvPr>
+            <p:ph type="body" idx="1"/>
+          </p:nvPr>
+        </p:nvSpPr>
+        <p:spPr/>
+        <p:txBody>
+          <a:bodyPr/>
+          <a:lstStyle/>
+          <a:p>
+            <a:r>
+              <a:rPr lang="en-US" dirty="0"/>
+              <a:t>In </a:t>
+            </a:r>
+            <a:r>
+              <a:rPr lang="en-US" baseline="0" dirty="0"/>
+              <a:t>Slide Show mode, select the arrows to visit links.</a:t>
+            </a:r>
+            <a:endParaRPr lang="en-US" dirty="0"/>
+          </a:p>
+        </p:txBody>
+      </p:sp>
+      <p:sp>
+        <p:nvSpPr>
+          <p:cNvPr id="4" name="Slide Number Placeholder 3"/>
+          <p:cNvSpPr>
+            <a:spLocks noGrp="1"/>
+          </p:cNvSpPr>
+          <p:nvPr>
+            <p:ph type="sldNum" sz="quarter" idx="10"/>
+          </p:nvPr>
+        </p:nvSpPr>
+        <p:spPr/>
+        <p:txBody>
+          <a:bodyPr/>
+          <a:lstStyle/>
+          <a:p>
+            <a:fld id="{DF61EA0F-A667-4B49-8422-0062BC55E249}" type="slidenum">
+              <a:rPr lang="en-US" smtClean="0"/>
+              <a:t>15</a:t>
+            </a:fld>
+            <a:endParaRPr lang="en-US" dirty="0"/>
+          </a:p>
+        </p:txBody>
+      </p:sp>
+    </p:spTree>
+    <p:extLst>
+      <p:ext uri="{BB962C8B-B14F-4D97-AF65-F5344CB8AC3E}">
+        <p14:creationId xmlns:p14="http://schemas.microsoft.com/office/powerpoint/2010/main" val="3421780843"/>
+      </p:ext>
+    </p:extLst>
+  </p:cSld>
+  <p:clrMapOvr>
+    <a:masterClrMapping/>
+  </p:clrMapOvr>
+</p:notes>
+</file>
+
+<file path=ppt/notesSlides/notesSlide2.xml><?xml version="1.0" encoding="utf-8"?>
+<p:notes xmlns:a="http://schemas.openxmlformats.org/drawingml/2006/main" xmlns:r="http://schemas.openxmlformats.org/officeDocument/2006/relationships" xmlns:p="http://schemas.openxmlformats.org/presentationml/2006/main">
+  <p:cSld>
+    <p:spTree>
+      <p:nvGrpSpPr>
+        <p:cNvPr id="1" name=""/>
+        <p:cNvGrpSpPr/>
+        <p:nvPr/>
+      </p:nvGrpSpPr>
+      <p:grpSpPr>
+        <a:xfrm>
+          <a:off x="0" y="0"/>
+          <a:ext cx="0" cy="0"/>
+          <a:chOff x="0" y="0"/>
+          <a:chExt cx="0" cy="0"/>
+        </a:xfrm>
+      </p:grpSpPr>
+      <p:sp>
+        <p:nvSpPr>
+          <p:cNvPr id="2" name="Slide Image Placeholder 1"/>
+          <p:cNvSpPr>
+            <a:spLocks noGrp="1" noRot="1" noChangeAspect="1"/>
+          </p:cNvSpPr>
+          <p:nvPr>
+            <p:ph type="sldImg"/>
+          </p:nvPr>
+        </p:nvSpPr>
+        <p:spPr>
+          <a:xfrm>
+            <a:off x="685800" y="1143000"/>
+            <a:ext cx="5486400" cy="3086100"/>
+          </a:xfrm>
+        </p:spPr>
+      </p:sp>
+      <p:sp>
+        <p:nvSpPr>
+          <p:cNvPr id="3" name="Notes Placeholder 2"/>
+          <p:cNvSpPr>
+            <a:spLocks noGrp="1"/>
+          </p:cNvSpPr>
+          <p:nvPr>
+            <p:ph type="body" idx="1"/>
+          </p:nvPr>
+        </p:nvSpPr>
+        <p:spPr/>
+        <p:txBody>
+          <a:bodyPr/>
+          <a:lstStyle/>
+          <a:p>
+            <a:pPr marL="171450" indent="-171450">
+              <a:buFontTx/>
+              <a:buChar char="-"/>
+            </a:pPr>
+            <a:r>
+              <a:rPr lang="en-US" dirty="0"/>
+              <a:t>NN: any continuous function from input to output can be implemented in a three-layer net</a:t>
+            </a:r>
+          </a:p>
+          <a:p>
+            <a:pPr marL="171450" indent="-171450">
+              <a:buFontTx/>
+              <a:buChar char="-"/>
+            </a:pPr>
+            <a:r>
+              <a:rPr lang="en-US" dirty="0"/>
+              <a:t>RL: how software agent in the environment to maximize the reward</a:t>
+            </a:r>
+          </a:p>
+          <a:p>
+            <a:pPr marL="171450" indent="-171450">
+              <a:buFontTx/>
+              <a:buChar char="-"/>
+            </a:pPr>
+            <a:r>
+              <a:rPr lang="en-US" dirty="0"/>
+              <a:t>Meta L: learning to learn</a:t>
+            </a:r>
+          </a:p>
+          <a:p>
+            <a:pPr marL="171450" indent="-171450">
+              <a:buFontTx/>
+              <a:buChar char="-"/>
+            </a:pPr>
+            <a:r>
+              <a:rPr lang="en-US" dirty="0"/>
+              <a:t>Variational L: maps from a space of function to a real number to avoid integration of the P(X)</a:t>
+            </a:r>
+          </a:p>
+          <a:p>
+            <a:pPr marL="171450" indent="-171450">
+              <a:buFontTx/>
+              <a:buChar char="-"/>
+            </a:pPr>
+            <a:r>
+              <a:rPr lang="en-US" dirty="0"/>
+              <a:t>MCMC: </a:t>
+            </a:r>
+          </a:p>
+          <a:p>
+            <a:pPr marL="628650" lvl="1" indent="-171450">
+              <a:buFontTx/>
+              <a:buChar char="-"/>
+            </a:pPr>
+            <a:r>
+              <a:rPr lang="en-US" dirty="0"/>
+              <a:t>Monte Carlo: estimating a fixed parameter by repeatedly generating random numbers if the direct computation is impossible</a:t>
+            </a:r>
+          </a:p>
+          <a:p>
+            <a:pPr marL="628650" lvl="1" indent="-171450">
+              <a:buFontTx/>
+              <a:buChar char="-"/>
+            </a:pPr>
+            <a:r>
+              <a:rPr lang="en-US" dirty="0"/>
+              <a:t>Markov Chain: memoryless, only based on current state</a:t>
+            </a:r>
+          </a:p>
+          <a:p>
+            <a:pPr marL="628650" lvl="1" indent="-171450">
+              <a:buFontTx/>
+              <a:buChar char="-"/>
+            </a:pPr>
+            <a:r>
+              <a:rPr lang="en-US" dirty="0"/>
+              <a:t>https://www.cs.purdue.edu/homes/ribeirob/courses/Fall2018/lectures/MCMC.html</a:t>
+            </a:r>
+          </a:p>
+          <a:p>
+            <a:pPr marL="171450" indent="-171450">
+              <a:buFontTx/>
+              <a:buChar char="-"/>
+            </a:pPr>
+            <a:endParaRPr lang="en-US" dirty="0"/>
+          </a:p>
+        </p:txBody>
+      </p:sp>
+      <p:sp>
+        <p:nvSpPr>
+          <p:cNvPr id="4" name="Slide Number Placeholder 3"/>
+          <p:cNvSpPr>
+            <a:spLocks noGrp="1"/>
+          </p:cNvSpPr>
+          <p:nvPr>
+            <p:ph type="sldNum" sz="quarter" idx="10"/>
+          </p:nvPr>
+        </p:nvSpPr>
+        <p:spPr/>
+        <p:txBody>
+          <a:bodyPr/>
+          <a:lstStyle/>
+          <a:p>
+            <a:fld id="{DF61EA0F-A667-4B49-8422-0062BC55E249}" type="slidenum">
+              <a:rPr lang="en-US" smtClean="0"/>
+              <a:t>2</a:t>
+            </a:fld>
+            <a:endParaRPr lang="en-US" dirty="0"/>
+          </a:p>
+        </p:txBody>
+      </p:sp>
+    </p:spTree>
+    <p:extLst>
+      <p:ext uri="{BB962C8B-B14F-4D97-AF65-F5344CB8AC3E}">
+        <p14:creationId xmlns:p14="http://schemas.microsoft.com/office/powerpoint/2010/main" val="4248221423"/>
+      </p:ext>
+    </p:extLst>
+  </p:cSld>
+  <p:clrMapOvr>
+    <a:masterClrMapping/>
+  </p:clrMapOvr>
+</p:notes>
+</file>
+
+<file path=ppt/notesSlides/notesSlide3.xml><?xml version="1.0" encoding="utf-8"?>
+<p:notes xmlns:a="http://schemas.openxmlformats.org/drawingml/2006/main" xmlns:r="http://schemas.openxmlformats.org/officeDocument/2006/relationships" xmlns:p="http://schemas.openxmlformats.org/presentationml/2006/main">
+  <p:cSld>
+    <p:spTree>
+      <p:nvGrpSpPr>
+        <p:cNvPr id="1" name=""/>
+        <p:cNvGrpSpPr/>
+        <p:nvPr/>
+      </p:nvGrpSpPr>
+      <p:grpSpPr>
+        <a:xfrm>
+          <a:off x="0" y="0"/>
+          <a:ext cx="0" cy="0"/>
+          <a:chOff x="0" y="0"/>
+          <a:chExt cx="0" cy="0"/>
+        </a:xfrm>
+      </p:grpSpPr>
+      <p:sp>
+        <p:nvSpPr>
+          <p:cNvPr id="2" name="Slide Image Placeholder 1"/>
+          <p:cNvSpPr>
+            <a:spLocks noGrp="1" noRot="1" noChangeAspect="1"/>
+          </p:cNvSpPr>
+          <p:nvPr>
+            <p:ph type="sldImg"/>
+          </p:nvPr>
+        </p:nvSpPr>
+        <p:spPr/>
+      </p:sp>
+      <p:sp>
+        <p:nvSpPr>
+          <p:cNvPr id="3" name="Notes Placeholder 2"/>
+          <p:cNvSpPr>
+            <a:spLocks noGrp="1"/>
+          </p:cNvSpPr>
+          <p:nvPr>
+            <p:ph type="body" idx="1"/>
+          </p:nvPr>
+        </p:nvSpPr>
+        <p:spPr/>
+        <p:txBody>
+          <a:bodyPr/>
+          <a:lstStyle/>
+          <a:p>
+            <a:r>
+              <a:rPr lang="en-US" altLang="zh-CN" dirty="0"/>
+              <a:t>Exclusive-all</a:t>
+            </a:r>
+            <a:r>
+              <a:rPr lang="zh-CN" altLang="en-US" dirty="0"/>
+              <a:t> </a:t>
+            </a:r>
+            <a:r>
+              <a:rPr lang="en-US" altLang="zh-CN" dirty="0"/>
+              <a:t>problem</a:t>
+            </a:r>
+            <a:r>
+              <a:rPr lang="zh-CN" altLang="en-US" dirty="0"/>
+              <a:t> </a:t>
+            </a:r>
+            <a:r>
+              <a:rPr lang="en-US" altLang="zh-CN" dirty="0"/>
+              <a:t>could</a:t>
+            </a:r>
+            <a:r>
+              <a:rPr lang="zh-CN" altLang="en-US" dirty="0"/>
+              <a:t> </a:t>
+            </a:r>
+            <a:r>
+              <a:rPr lang="en-US" altLang="zh-CN" dirty="0"/>
+              <a:t>be</a:t>
+            </a:r>
+            <a:r>
+              <a:rPr lang="zh-CN" altLang="en-US" dirty="0"/>
+              <a:t> </a:t>
+            </a:r>
+            <a:r>
+              <a:rPr lang="en-US" altLang="zh-CN" dirty="0"/>
+              <a:t>solved</a:t>
+            </a:r>
+            <a:r>
+              <a:rPr lang="zh-CN" altLang="en-US" dirty="0"/>
+              <a:t> </a:t>
+            </a:r>
+            <a:r>
+              <a:rPr lang="en-US" altLang="zh-CN" dirty="0"/>
+              <a:t>by</a:t>
+            </a:r>
+            <a:r>
+              <a:rPr lang="zh-CN" altLang="en-US" dirty="0"/>
+              <a:t> </a:t>
+            </a:r>
+            <a:r>
+              <a:rPr lang="en-US" altLang="zh-CN" dirty="0"/>
+              <a:t>3-level</a:t>
+            </a:r>
+            <a:r>
+              <a:rPr lang="zh-CN" altLang="en-US" dirty="0"/>
+              <a:t> </a:t>
+            </a:r>
+            <a:r>
+              <a:rPr lang="en-US" altLang="zh-CN"/>
+              <a:t>NN</a:t>
+            </a:r>
+            <a:endParaRPr lang="en-CN"/>
+          </a:p>
+        </p:txBody>
+      </p:sp>
+      <p:sp>
+        <p:nvSpPr>
+          <p:cNvPr id="4" name="Slide Number Placeholder 3"/>
+          <p:cNvSpPr>
+            <a:spLocks noGrp="1"/>
+          </p:cNvSpPr>
+          <p:nvPr>
+            <p:ph type="sldNum" sz="quarter" idx="5"/>
+          </p:nvPr>
+        </p:nvSpPr>
+        <p:spPr/>
+        <p:txBody>
+          <a:bodyPr/>
+          <a:lstStyle/>
+          <a:p>
+            <a:fld id="{DF61EA0F-A667-4B49-8422-0062BC55E249}" type="slidenum">
+              <a:rPr lang="en-US" smtClean="0"/>
+              <a:t>3</a:t>
+            </a:fld>
+            <a:endParaRPr lang="en-US" dirty="0"/>
+          </a:p>
+        </p:txBody>
+      </p:sp>
+    </p:spTree>
+    <p:extLst>
+      <p:ext uri="{BB962C8B-B14F-4D97-AF65-F5344CB8AC3E}">
+        <p14:creationId xmlns:p14="http://schemas.microsoft.com/office/powerpoint/2010/main" val="1272803508"/>
+      </p:ext>
+    </p:extLst>
+  </p:cSld>
+  <p:clrMapOvr>
+    <a:masterClrMapping/>
+  </p:clrMapOvr>
+</p:notes>
+</file>
+
+<file path=ppt/notesSlides/notesSlide4.xml><?xml version="1.0" encoding="utf-8"?>
+<p:notes xmlns:a="http://schemas.openxmlformats.org/drawingml/2006/main" xmlns:r="http://schemas.openxmlformats.org/officeDocument/2006/relationships" xmlns:p="http://schemas.openxmlformats.org/presentationml/2006/main">
+  <p:cSld>
+    <p:spTree>
+      <p:nvGrpSpPr>
+        <p:cNvPr id="1" name=""/>
+        <p:cNvGrpSpPr/>
+        <p:nvPr/>
+      </p:nvGrpSpPr>
+      <p:grpSpPr>
+        <a:xfrm>
+          <a:off x="0" y="0"/>
+          <a:ext cx="0" cy="0"/>
+          <a:chOff x="0" y="0"/>
+          <a:chExt cx="0" cy="0"/>
+        </a:xfrm>
+      </p:grpSpPr>
+      <p:sp>
+        <p:nvSpPr>
+          <p:cNvPr id="2" name="Slide Image Placeholder 1"/>
+          <p:cNvSpPr>
+            <a:spLocks noGrp="1" noRot="1" noChangeAspect="1"/>
+          </p:cNvSpPr>
+          <p:nvPr>
+            <p:ph type="sldImg"/>
+          </p:nvPr>
+        </p:nvSpPr>
+        <p:spPr/>
+      </p:sp>
+      <p:sp>
+        <p:nvSpPr>
+          <p:cNvPr id="3" name="Notes Placeholder 2"/>
+          <p:cNvSpPr>
+            <a:spLocks noGrp="1"/>
+          </p:cNvSpPr>
+          <p:nvPr>
+            <p:ph type="body" idx="1"/>
+          </p:nvPr>
+        </p:nvSpPr>
+        <p:spPr/>
+        <p:txBody>
+          <a:bodyPr/>
+          <a:lstStyle/>
+          <a:p>
+            <a:r>
+              <a:rPr lang="en-US" dirty="0"/>
+              <a:t>∂ \partial</a:t>
+            </a:r>
+          </a:p>
+        </p:txBody>
+      </p:sp>
+      <p:sp>
+        <p:nvSpPr>
+          <p:cNvPr id="4" name="Slide Number Placeholder 3"/>
+          <p:cNvSpPr>
+            <a:spLocks noGrp="1"/>
+          </p:cNvSpPr>
+          <p:nvPr>
+            <p:ph type="sldNum" sz="quarter" idx="5"/>
+          </p:nvPr>
+        </p:nvSpPr>
+        <p:spPr/>
+        <p:txBody>
+          <a:bodyPr/>
+          <a:lstStyle/>
+          <a:p>
+            <a:fld id="{DF61EA0F-A667-4B49-8422-0062BC55E249}" type="slidenum">
+              <a:rPr lang="en-US" smtClean="0"/>
+              <a:t>4</a:t>
+            </a:fld>
+            <a:endParaRPr lang="en-US" dirty="0"/>
+          </a:p>
+        </p:txBody>
+      </p:sp>
+    </p:spTree>
+    <p:extLst>
+      <p:ext uri="{BB962C8B-B14F-4D97-AF65-F5344CB8AC3E}">
+        <p14:creationId xmlns:p14="http://schemas.microsoft.com/office/powerpoint/2010/main" val="2301255231"/>
+      </p:ext>
+    </p:extLst>
+  </p:cSld>
+  <p:clrMapOvr>
+    <a:masterClrMapping/>
+  </p:clrMapOvr>
+</p:notes>
+</file>
+
+<file path=ppt/notesSlides/notesSlide5.xml><?xml version="1.0" encoding="utf-8"?>
+<p:notes xmlns:a="http://schemas.openxmlformats.org/drawingml/2006/main" xmlns:r="http://schemas.openxmlformats.org/officeDocument/2006/relationships" xmlns:p="http://schemas.openxmlformats.org/presentationml/2006/main">
+  <p:cSld>
+    <p:spTree>
+      <p:nvGrpSpPr>
+        <p:cNvPr id="1" name=""/>
+        <p:cNvGrpSpPr/>
+        <p:nvPr/>
+      </p:nvGrpSpPr>
+      <p:grpSpPr>
+        <a:xfrm>
+          <a:off x="0" y="0"/>
+          <a:ext cx="0" cy="0"/>
+          <a:chOff x="0" y="0"/>
+          <a:chExt cx="0" cy="0"/>
+        </a:xfrm>
+      </p:grpSpPr>
+      <p:sp>
+        <p:nvSpPr>
+          <p:cNvPr id="2" name="Slide Image Placeholder 1"/>
+          <p:cNvSpPr>
+            <a:spLocks noGrp="1" noRot="1" noChangeAspect="1"/>
+          </p:cNvSpPr>
+          <p:nvPr>
+            <p:ph type="sldImg"/>
+          </p:nvPr>
+        </p:nvSpPr>
+        <p:spPr>
+          <a:xfrm>
+            <a:off x="685800" y="1143000"/>
+            <a:ext cx="5486400" cy="3086100"/>
+          </a:xfrm>
+        </p:spPr>
+      </p:sp>
+      <p:sp>
+        <p:nvSpPr>
+          <p:cNvPr id="3" name="Notes Placeholder 2"/>
+          <p:cNvSpPr>
+            <a:spLocks noGrp="1"/>
+          </p:cNvSpPr>
+          <p:nvPr>
+            <p:ph type="body" idx="1"/>
+          </p:nvPr>
+        </p:nvSpPr>
+        <p:spPr/>
+        <p:txBody>
+          <a:bodyPr/>
+          <a:lstStyle/>
+          <a:p>
+            <a:r>
+              <a:rPr lang="en-US" altLang="zh-CN" dirty="0"/>
+              <a:t>-</a:t>
+            </a:r>
+            <a:r>
+              <a:rPr lang="zh-CN" altLang="en-US" dirty="0"/>
+              <a:t> </a:t>
+            </a:r>
+            <a:r>
+              <a:rPr lang="en-US" altLang="zh-CN" dirty="0"/>
+              <a:t>Conjugate</a:t>
+            </a:r>
+            <a:r>
+              <a:rPr lang="zh-CN" altLang="en-US" dirty="0"/>
+              <a:t> </a:t>
+            </a:r>
+            <a:r>
+              <a:rPr lang="en-US" altLang="zh-CN" dirty="0"/>
+              <a:t>GD:</a:t>
+            </a:r>
+            <a:r>
+              <a:rPr lang="zh-CN" altLang="en-US" dirty="0"/>
+              <a:t> </a:t>
+            </a:r>
+            <a:r>
+              <a:rPr lang="en-US" altLang="zh-CN" dirty="0"/>
+              <a:t>﻿employs a series of line searches in weight or parameter space.</a:t>
+            </a:r>
+            <a:endParaRPr lang="en-US" dirty="0"/>
+          </a:p>
+        </p:txBody>
+      </p:sp>
+      <p:sp>
+        <p:nvSpPr>
+          <p:cNvPr id="4" name="Slide Number Placeholder 3"/>
+          <p:cNvSpPr>
+            <a:spLocks noGrp="1"/>
+          </p:cNvSpPr>
+          <p:nvPr>
+            <p:ph type="sldNum" sz="quarter" idx="10"/>
+          </p:nvPr>
+        </p:nvSpPr>
+        <p:spPr/>
+        <p:txBody>
+          <a:bodyPr/>
+          <a:lstStyle/>
+          <a:p>
+            <a:fld id="{DF61EA0F-A667-4B49-8422-0062BC55E249}" type="slidenum">
+              <a:rPr lang="en-US" smtClean="0"/>
+              <a:t>5</a:t>
+            </a:fld>
+            <a:endParaRPr lang="en-US" dirty="0"/>
+          </a:p>
+        </p:txBody>
+      </p:sp>
+    </p:spTree>
+    <p:extLst>
+      <p:ext uri="{BB962C8B-B14F-4D97-AF65-F5344CB8AC3E}">
+        <p14:creationId xmlns:p14="http://schemas.microsoft.com/office/powerpoint/2010/main" val="596990511"/>
+      </p:ext>
+    </p:extLst>
+  </p:cSld>
+  <p:clrMapOvr>
+    <a:masterClrMapping/>
+  </p:clrMapOvr>
+</p:notes>
+</file>
+
+<file path=ppt/notesSlides/notesSlide6.xml><?xml version="1.0" encoding="utf-8"?>
+<p:notes xmlns:a="http://schemas.openxmlformats.org/drawingml/2006/main" xmlns:r="http://schemas.openxmlformats.org/officeDocument/2006/relationships" xmlns:p="http://schemas.openxmlformats.org/presentationml/2006/main">
+  <p:cSld>
+    <p:spTree>
+      <p:nvGrpSpPr>
+        <p:cNvPr id="1" name=""/>
+        <p:cNvGrpSpPr/>
+        <p:nvPr/>
+      </p:nvGrpSpPr>
+      <p:grpSpPr>
+        <a:xfrm>
+          <a:off x="0" y="0"/>
+          <a:ext cx="0" cy="0"/>
+          <a:chOff x="0" y="0"/>
+          <a:chExt cx="0" cy="0"/>
+        </a:xfrm>
+      </p:grpSpPr>
+      <p:sp>
+        <p:nvSpPr>
+          <p:cNvPr id="2" name="Slide Image Placeholder 1"/>
+          <p:cNvSpPr>
+            <a:spLocks noGrp="1" noRot="1" noChangeAspect="1"/>
+          </p:cNvSpPr>
+          <p:nvPr>
+            <p:ph type="sldImg"/>
+          </p:nvPr>
+        </p:nvSpPr>
+        <p:spPr>
+          <a:xfrm>
+            <a:off x="685800" y="1143000"/>
+            <a:ext cx="5486400" cy="3086100"/>
+          </a:xfrm>
+        </p:spPr>
+      </p:sp>
+      <p:sp>
+        <p:nvSpPr>
+          <p:cNvPr id="3" name="Notes Placeholder 2"/>
+          <p:cNvSpPr>
+            <a:spLocks noGrp="1"/>
+          </p:cNvSpPr>
+          <p:nvPr>
+            <p:ph type="body" idx="1"/>
+          </p:nvPr>
+        </p:nvSpPr>
+        <p:spPr/>
+        <p:txBody>
+          <a:bodyPr/>
+          <a:lstStyle/>
+          <a:p>
+            <a:r>
+              <a:rPr lang="en-US" dirty="0"/>
+              <a:t>In </a:t>
+            </a:r>
+            <a:r>
+              <a:rPr lang="en-US" baseline="0" dirty="0"/>
+              <a:t>Slide Show mode, select the arrows to visit links.</a:t>
+            </a:r>
+            <a:endParaRPr lang="en-US" dirty="0"/>
+          </a:p>
+        </p:txBody>
+      </p:sp>
+      <p:sp>
+        <p:nvSpPr>
+          <p:cNvPr id="4" name="Slide Number Placeholder 3"/>
+          <p:cNvSpPr>
+            <a:spLocks noGrp="1"/>
+          </p:cNvSpPr>
+          <p:nvPr>
+            <p:ph type="sldNum" sz="quarter" idx="10"/>
+          </p:nvPr>
+        </p:nvSpPr>
+        <p:spPr/>
+        <p:txBody>
+          <a:bodyPr/>
+          <a:lstStyle/>
+          <a:p>
+            <a:fld id="{DF61EA0F-A667-4B49-8422-0062BC55E249}" type="slidenum">
+              <a:rPr lang="en-US" smtClean="0"/>
+              <a:t>6</a:t>
+            </a:fld>
+            <a:endParaRPr lang="en-US" dirty="0"/>
+          </a:p>
+        </p:txBody>
+      </p:sp>
+    </p:spTree>
+    <p:extLst>
+      <p:ext uri="{BB962C8B-B14F-4D97-AF65-F5344CB8AC3E}">
+        <p14:creationId xmlns:p14="http://schemas.microsoft.com/office/powerpoint/2010/main" val="941466118"/>
+      </p:ext>
+    </p:extLst>
+  </p:cSld>
+  <p:clrMapOvr>
+    <a:masterClrMapping/>
+  </p:clrMapOvr>
+</p:notes>
+</file>
+
+<file path=ppt/notesSlides/notesSlide7.xml><?xml version="1.0" encoding="utf-8"?>
+<p:notes xmlns:a="http://schemas.openxmlformats.org/drawingml/2006/main" xmlns:r="http://schemas.openxmlformats.org/officeDocument/2006/relationships" xmlns:p="http://schemas.openxmlformats.org/presentationml/2006/main">
+  <p:cSld>
+    <p:spTree>
+      <p:nvGrpSpPr>
+        <p:cNvPr id="1" name=""/>
+        <p:cNvGrpSpPr/>
+        <p:nvPr/>
+      </p:nvGrpSpPr>
+      <p:grpSpPr>
+        <a:xfrm>
+          <a:off x="0" y="0"/>
+          <a:ext cx="0" cy="0"/>
+          <a:chOff x="0" y="0"/>
+          <a:chExt cx="0" cy="0"/>
+        </a:xfrm>
+      </p:grpSpPr>
+      <p:sp>
+        <p:nvSpPr>
+          <p:cNvPr id="2" name="Slide Image Placeholder 1"/>
+          <p:cNvSpPr>
+            <a:spLocks noGrp="1" noRot="1" noChangeAspect="1"/>
+          </p:cNvSpPr>
+          <p:nvPr>
+            <p:ph type="sldImg"/>
+          </p:nvPr>
+        </p:nvSpPr>
+        <p:spPr>
+          <a:xfrm>
+            <a:off x="685800" y="1143000"/>
+            <a:ext cx="5486400" cy="3086100"/>
+          </a:xfrm>
+        </p:spPr>
+      </p:sp>
+      <mc:AlternateContent xmlns:mc="http://schemas.openxmlformats.org/markup-compatibility/2006" xmlns:a14="http://schemas.microsoft.com/office/drawing/2010/main">
+        <mc:Choice Requires="a14">
+          <p:sp>
+            <p:nvSpPr>
+              <p:cNvPr id="3" name="Notes Placeholder 2"/>
+              <p:cNvSpPr>
+                <a:spLocks noGrp="1"/>
+              </p:cNvSpPr>
+              <p:nvPr>
+                <p:ph type="body" idx="1"/>
+              </p:nvPr>
+            </p:nvSpPr>
+            <p:spPr/>
+            <p:txBody>
+              <a:bodyPr/>
+              <a:lstStyle/>
+              <a:p>
+                <a:pPr marL="285750" indent="-285750">
+                  <a:buFontTx/>
+                  <a:buChar char="-"/>
+                </a:pPr>
+                <a:endParaRPr lang="en-US" altLang="zh-CN" dirty="0"/>
+              </a:p>
+            </p:txBody>
+          </p:sp>
+        </mc:Choice>
+        <mc:Fallback xmlns="">
+          <p:sp>
+            <p:nvSpPr>
+              <p:cNvPr id="3" name="Notes Placeholder 2"/>
+              <p:cNvSpPr>
+                <a:spLocks noGrp="1"/>
+              </p:cNvSpPr>
+              <p:nvPr>
+                <p:ph type="body" idx="1"/>
+              </p:nvPr>
+            </p:nvSpPr>
+            <p:spPr/>
+            <p:txBody>
+              <a:bodyPr/>
+              <a:lstStyle/>
+              <a:p>
+                <a:pPr marL="285750" indent="-285750">
+                  <a:buFontTx/>
+                  <a:buChar char="-"/>
+                </a:pPr>
+                <a:r>
+                  <a:rPr lang="en-US" altLang="zh-CN" dirty="0"/>
+                  <a:t>Newton’s</a:t>
+                </a:r>
+                <a:r>
+                  <a:rPr lang="zh-CN" altLang="en-US" dirty="0"/>
+                  <a:t> </a:t>
+                </a:r>
+                <a:r>
+                  <a:rPr lang="en-US" altLang="zh-CN" dirty="0"/>
+                  <a:t>Method:</a:t>
+                </a:r>
+                <a:r>
+                  <a:rPr lang="zh-CN" altLang="en-US" dirty="0"/>
+                  <a:t> </a:t>
+                </a:r>
+                <a:r>
+                  <a:rPr lang="en-US" altLang="zh-CN" b="1" i="0">
+                    <a:latin typeface="Cambria Math" panose="02040503050406030204" pitchFamily="18" charset="0"/>
+                    <a:ea typeface="Cambria Math" panose="02040503050406030204" pitchFamily="18" charset="0"/>
+                  </a:rPr>
+                  <a:t>〖𝚶(𝒏〗^𝟑)</a:t>
+                </a:r>
+                <a:endParaRPr lang="en-US" altLang="zh-CN" dirty="0"/>
+              </a:p>
+              <a:p>
+                <a:pPr marL="285750" marR="0" lvl="0" indent="-285750" algn="l" defTabSz="914400" rtl="0" eaLnBrk="1" fontAlgn="auto" latinLnBrk="0" hangingPunct="1">
+                  <a:lnSpc>
+                    <a:spcPct val="100000"/>
+                  </a:lnSpc>
+                  <a:spcBef>
+                    <a:spcPts val="0"/>
+                  </a:spcBef>
+                  <a:spcAft>
+                    <a:spcPts val="0"/>
+                  </a:spcAft>
+                  <a:buClrTx/>
+                  <a:buSzTx/>
+                  <a:buFontTx/>
+                  <a:buChar char="-"/>
+                  <a:tabLst/>
+                  <a:defRPr/>
+                </a:pPr>
+                <a:r>
+                  <a:rPr lang="en-US" altLang="zh-CN" dirty="0"/>
+                  <a:t>Newton’s</a:t>
+                </a:r>
+                <a:r>
+                  <a:rPr lang="zh-CN" altLang="en-US" dirty="0"/>
+                  <a:t> </a:t>
+                </a:r>
+                <a:r>
+                  <a:rPr lang="en-US" altLang="zh-CN" dirty="0"/>
+                  <a:t>Method:</a:t>
+                </a:r>
+                <a:r>
+                  <a:rPr lang="zh-CN" altLang="en-US" dirty="0"/>
+                  <a:t> </a:t>
+                </a:r>
+                <a:r>
+                  <a:rPr lang="en-US" altLang="zh-CN" b="1" i="0">
+                    <a:latin typeface="Cambria Math" panose="02040503050406030204" pitchFamily="18" charset="0"/>
+                    <a:ea typeface="Cambria Math" panose="02040503050406030204" pitchFamily="18" charset="0"/>
+                  </a:rPr>
+                  <a:t>〖𝚶(𝒏〗^𝟐)</a:t>
+                </a:r>
+                <a:endParaRPr lang="en-US" altLang="zh-CN" dirty="0"/>
+              </a:p>
+              <a:p>
+                <a:pPr marL="285750" indent="-285750">
+                  <a:buFontTx/>
+                  <a:buChar char="-"/>
+                </a:pPr>
+                <a:endParaRPr lang="en-US" altLang="zh-CN" dirty="0"/>
+              </a:p>
+            </p:txBody>
+          </p:sp>
+        </mc:Fallback>
+      </mc:AlternateContent>
+      <p:sp>
+        <p:nvSpPr>
+          <p:cNvPr id="4" name="Slide Number Placeholder 3"/>
+          <p:cNvSpPr>
+            <a:spLocks noGrp="1"/>
+          </p:cNvSpPr>
+          <p:nvPr>
+            <p:ph type="sldNum" sz="quarter" idx="10"/>
+          </p:nvPr>
+        </p:nvSpPr>
+        <p:spPr/>
+        <p:txBody>
+          <a:bodyPr/>
+          <a:lstStyle/>
+          <a:p>
+            <a:fld id="{DF61EA0F-A667-4B49-8422-0062BC55E249}" type="slidenum">
+              <a:rPr lang="en-US" smtClean="0"/>
+              <a:t>7</a:t>
+            </a:fld>
+            <a:endParaRPr lang="en-US" dirty="0"/>
+          </a:p>
+        </p:txBody>
+      </p:sp>
+    </p:spTree>
+    <p:extLst>
+      <p:ext uri="{BB962C8B-B14F-4D97-AF65-F5344CB8AC3E}">
+        <p14:creationId xmlns:p14="http://schemas.microsoft.com/office/powerpoint/2010/main" val="274479558"/>
+      </p:ext>
+    </p:extLst>
+  </p:cSld>
+  <p:clrMapOvr>
+    <a:masterClrMapping/>
+  </p:clrMapOvr>
+</p:notes>
+</file>
+
+<file path=ppt/notesSlides/notesSlide8.xml><?xml version="1.0" encoding="utf-8"?>
+<p:notes xmlns:a="http://schemas.openxmlformats.org/drawingml/2006/main" xmlns:r="http://schemas.openxmlformats.org/officeDocument/2006/relationships" xmlns:p="http://schemas.openxmlformats.org/presentationml/2006/main">
+  <p:cSld>
+    <p:spTree>
+      <p:nvGrpSpPr>
+        <p:cNvPr id="1" name=""/>
+        <p:cNvGrpSpPr/>
+        <p:nvPr/>
+      </p:nvGrpSpPr>
+      <p:grpSpPr>
+        <a:xfrm>
+          <a:off x="0" y="0"/>
+          <a:ext cx="0" cy="0"/>
+          <a:chOff x="0" y="0"/>
+          <a:chExt cx="0" cy="0"/>
+        </a:xfrm>
+      </p:grpSpPr>
+      <p:sp>
+        <p:nvSpPr>
+          <p:cNvPr id="2" name="Slide Image Placeholder 1"/>
+          <p:cNvSpPr>
+            <a:spLocks noGrp="1" noRot="1" noChangeAspect="1"/>
+          </p:cNvSpPr>
+          <p:nvPr>
+            <p:ph type="sldImg"/>
+          </p:nvPr>
+        </p:nvSpPr>
+        <p:spPr>
+          <a:xfrm>
+            <a:off x="685800" y="1143000"/>
+            <a:ext cx="5486400" cy="3086100"/>
+          </a:xfrm>
+        </p:spPr>
+      </p:sp>
+      <p:sp>
+        <p:nvSpPr>
+          <p:cNvPr id="3" name="Notes Placeholder 2"/>
+          <p:cNvSpPr>
+            <a:spLocks noGrp="1"/>
+          </p:cNvSpPr>
+          <p:nvPr>
+            <p:ph type="body" idx="1"/>
+          </p:nvPr>
+        </p:nvSpPr>
+        <p:spPr/>
+        <p:txBody>
+          <a:bodyPr/>
+          <a:lstStyle/>
+          <a:p>
+            <a:pPr marL="285750" indent="-285750">
+              <a:buFontTx/>
+              <a:buChar char="-"/>
+            </a:pPr>
+            <a:r>
+              <a:rPr lang="en-CN" altLang="zh-CN" dirty="0"/>
+              <a:t>stationary</a:t>
+            </a:r>
+            <a:r>
+              <a:rPr lang="zh-CN" altLang="en-US" dirty="0"/>
+              <a:t> </a:t>
+            </a:r>
+            <a:r>
+              <a:rPr lang="en-US" altLang="zh-CN" sz="1800" kern="1200" dirty="0">
+                <a:solidFill>
+                  <a:schemeClr val="tx1"/>
+                </a:solidFill>
+                <a:latin typeface="+mn-lt"/>
+                <a:ea typeface="+mn-ea"/>
+                <a:cs typeface="+mn-cs"/>
+              </a:rPr>
+              <a:t>process</a:t>
+            </a:r>
+            <a:r>
+              <a:rPr lang="en-US" altLang="zh-CN" dirty="0"/>
+              <a:t>:</a:t>
+            </a:r>
+            <a:r>
+              <a:rPr lang="zh-CN" altLang="en-US" dirty="0"/>
+              <a:t> </a:t>
+            </a:r>
+            <a:r>
+              <a:rPr lang="en-US" sz="1800" kern="1200" dirty="0">
+                <a:solidFill>
+                  <a:schemeClr val="tx1"/>
+                </a:solidFill>
+                <a:latin typeface="+mn-lt"/>
+                <a:ea typeface="+mn-ea"/>
+                <a:cs typeface="+mn-cs"/>
+              </a:rPr>
+              <a:t>whose unconditional </a:t>
+            </a:r>
+            <a:r>
+              <a:rPr lang="en-US" sz="1800" kern="1200" dirty="0">
+                <a:solidFill>
+                  <a:schemeClr val="tx1"/>
+                </a:solidFill>
+                <a:latin typeface="+mn-lt"/>
+                <a:ea typeface="+mn-ea"/>
+                <a:cs typeface="+mn-cs"/>
+                <a:hlinkClick r:id="rId3" tooltip="Joint probability distribution">
+                  <a:extLst>
+                    <a:ext uri="{A12FA001-AC4F-418D-AE19-62706E023703}">
+                      <ahyp:hlinkClr xmlns:ahyp="http://schemas.microsoft.com/office/drawing/2018/hyperlinkcolor" val="tx"/>
+                    </a:ext>
+                  </a:extLst>
+                </a:hlinkClick>
+              </a:rPr>
+              <a:t>joint probability distribution</a:t>
+            </a:r>
+            <a:r>
+              <a:rPr lang="en-US" sz="1800" kern="1200" dirty="0">
+                <a:solidFill>
+                  <a:schemeClr val="tx1"/>
+                </a:solidFill>
+                <a:latin typeface="+mn-lt"/>
+                <a:ea typeface="+mn-ea"/>
+                <a:cs typeface="+mn-cs"/>
+              </a:rPr>
+              <a:t> does not change when shifted in time. Consequently, parameters such as </a:t>
+            </a:r>
+            <a:r>
+              <a:rPr lang="en-US" sz="1800" kern="1200" dirty="0">
+                <a:solidFill>
+                  <a:schemeClr val="tx1"/>
+                </a:solidFill>
+                <a:latin typeface="+mn-lt"/>
+                <a:ea typeface="+mn-ea"/>
+                <a:cs typeface="+mn-cs"/>
+                <a:hlinkClick r:id="rId4" tooltip="Mean">
+                  <a:extLst>
+                    <a:ext uri="{A12FA001-AC4F-418D-AE19-62706E023703}">
+                      <ahyp:hlinkClr xmlns:ahyp="http://schemas.microsoft.com/office/drawing/2018/hyperlinkcolor" val="tx"/>
+                    </a:ext>
+                  </a:extLst>
+                </a:hlinkClick>
+              </a:rPr>
+              <a:t>mean</a:t>
+            </a:r>
+            <a:r>
+              <a:rPr lang="en-US" sz="1800" kern="1200" dirty="0">
+                <a:solidFill>
+                  <a:schemeClr val="tx1"/>
+                </a:solidFill>
+                <a:latin typeface="+mn-lt"/>
+                <a:ea typeface="+mn-ea"/>
+                <a:cs typeface="+mn-cs"/>
+              </a:rPr>
+              <a:t> and </a:t>
+            </a:r>
+            <a:r>
+              <a:rPr lang="en-US" sz="1800" kern="1200" dirty="0">
+                <a:solidFill>
+                  <a:schemeClr val="tx1"/>
+                </a:solidFill>
+                <a:latin typeface="+mn-lt"/>
+                <a:ea typeface="+mn-ea"/>
+                <a:cs typeface="+mn-cs"/>
+                <a:hlinkClick r:id="rId5" tooltip="Variance">
+                  <a:extLst>
+                    <a:ext uri="{A12FA001-AC4F-418D-AE19-62706E023703}">
+                      <ahyp:hlinkClr xmlns:ahyp="http://schemas.microsoft.com/office/drawing/2018/hyperlinkcolor" val="tx"/>
+                    </a:ext>
+                  </a:extLst>
+                </a:hlinkClick>
+              </a:rPr>
+              <a:t>variance</a:t>
+            </a:r>
+            <a:r>
+              <a:rPr lang="en-US" sz="1800" kern="1200" dirty="0">
+                <a:solidFill>
+                  <a:schemeClr val="tx1"/>
+                </a:solidFill>
+                <a:latin typeface="+mn-lt"/>
+                <a:ea typeface="+mn-ea"/>
+                <a:cs typeface="+mn-cs"/>
+              </a:rPr>
+              <a:t> also do not change over time. </a:t>
+            </a:r>
+            <a:endParaRPr lang="en-US" altLang="zh-CN" sz="1800" kern="1200" dirty="0">
+              <a:solidFill>
+                <a:schemeClr val="tx1"/>
+              </a:solidFill>
+              <a:latin typeface="+mn-lt"/>
+              <a:ea typeface="+mn-ea"/>
+              <a:cs typeface="+mn-cs"/>
+            </a:endParaRPr>
+          </a:p>
+        </p:txBody>
+      </p:sp>
+      <p:sp>
+        <p:nvSpPr>
+          <p:cNvPr id="4" name="Slide Number Placeholder 3"/>
+          <p:cNvSpPr>
+            <a:spLocks noGrp="1"/>
+          </p:cNvSpPr>
+          <p:nvPr>
+            <p:ph type="sldNum" sz="quarter" idx="10"/>
+          </p:nvPr>
+        </p:nvSpPr>
+        <p:spPr/>
+        <p:txBody>
+          <a:bodyPr/>
+          <a:lstStyle/>
+          <a:p>
+            <a:fld id="{DF61EA0F-A667-4B49-8422-0062BC55E249}" type="slidenum">
+              <a:rPr lang="en-US" smtClean="0"/>
+              <a:t>8</a:t>
+            </a:fld>
+            <a:endParaRPr lang="en-US" dirty="0"/>
+          </a:p>
+        </p:txBody>
+      </p:sp>
+    </p:spTree>
+    <p:extLst>
+      <p:ext uri="{BB962C8B-B14F-4D97-AF65-F5344CB8AC3E}">
+        <p14:creationId xmlns:p14="http://schemas.microsoft.com/office/powerpoint/2010/main" val="1052497680"/>
+      </p:ext>
+    </p:extLst>
+  </p:cSld>
+  <p:clrMapOvr>
+    <a:masterClrMapping/>
+  </p:clrMapOvr>
+</p:notes>
+</file>
+
+<file path=ppt/notesSlides/notesSlide9.xml><?xml version="1.0" encoding="utf-8"?>
+<p:notes xmlns:a="http://schemas.openxmlformats.org/drawingml/2006/main" xmlns:r="http://schemas.openxmlformats.org/officeDocument/2006/relationships" xmlns:p="http://schemas.openxmlformats.org/presentationml/2006/main">
+  <p:cSld>
+    <p:spTree>
+      <p:nvGrpSpPr>
+        <p:cNvPr id="1" name=""/>
+        <p:cNvGrpSpPr/>
+        <p:nvPr/>
+      </p:nvGrpSpPr>
+      <p:grpSpPr>
+        <a:xfrm>
+          <a:off x="0" y="0"/>
+          <a:ext cx="0" cy="0"/>
+          <a:chOff x="0" y="0"/>
+          <a:chExt cx="0" cy="0"/>
+        </a:xfrm>
+      </p:grpSpPr>
+      <p:sp>
+        <p:nvSpPr>
+          <p:cNvPr id="2" name="Slide Image Placeholder 1"/>
+          <p:cNvSpPr>
+            <a:spLocks noGrp="1" noRot="1" noChangeAspect="1"/>
+          </p:cNvSpPr>
+          <p:nvPr>
+            <p:ph type="sldImg"/>
+          </p:nvPr>
+        </p:nvSpPr>
+        <p:spPr/>
+      </p:sp>
+      <p:sp>
+        <p:nvSpPr>
+          <p:cNvPr id="3" name="Notes Placeholder 2"/>
+          <p:cNvSpPr>
+            <a:spLocks noGrp="1"/>
+          </p:cNvSpPr>
+          <p:nvPr>
+            <p:ph type="body" idx="1"/>
+          </p:nvPr>
+        </p:nvSpPr>
+        <p:spPr/>
+        <p:txBody>
+          <a:bodyPr/>
+          <a:lstStyle/>
+          <a:p>
+            <a:r>
+              <a:rPr lang="en-CN" dirty="0"/>
+              <a:t>Adaptive</a:t>
+            </a:r>
+            <a:r>
+              <a:rPr lang="zh-CN" altLang="en-US" dirty="0"/>
+              <a:t> </a:t>
+            </a:r>
+            <a:r>
+              <a:rPr lang="en-US" altLang="zh-CN" dirty="0"/>
+              <a:t>Moment</a:t>
+            </a:r>
+            <a:r>
+              <a:rPr lang="zh-CN" altLang="en-US" dirty="0"/>
+              <a:t> </a:t>
+            </a:r>
+            <a:r>
+              <a:rPr lang="en-US" altLang="zh-CN" dirty="0"/>
+              <a:t>Estimation</a:t>
+            </a:r>
+            <a:endParaRPr lang="en-CN" dirty="0"/>
+          </a:p>
+        </p:txBody>
+      </p:sp>
+      <p:sp>
+        <p:nvSpPr>
+          <p:cNvPr id="4" name="Slide Number Placeholder 3"/>
+          <p:cNvSpPr>
+            <a:spLocks noGrp="1"/>
+          </p:cNvSpPr>
+          <p:nvPr>
+            <p:ph type="sldNum" sz="quarter" idx="5"/>
+          </p:nvPr>
+        </p:nvSpPr>
+        <p:spPr/>
+        <p:txBody>
+          <a:bodyPr/>
+          <a:lstStyle/>
+          <a:p>
+            <a:fld id="{DF61EA0F-A667-4B49-8422-0062BC55E249}" type="slidenum">
+              <a:rPr lang="en-US" smtClean="0"/>
+              <a:t>9</a:t>
+            </a:fld>
+            <a:endParaRPr lang="en-US" dirty="0"/>
+          </a:p>
+        </p:txBody>
+      </p:sp>
+    </p:spTree>
+    <p:extLst>
+      <p:ext uri="{BB962C8B-B14F-4D97-AF65-F5344CB8AC3E}">
+        <p14:creationId xmlns:p14="http://schemas.microsoft.com/office/powerpoint/2010/main" val="2984940231"/>
       </p:ext>
     </p:extLst>
   </p:cSld>
@@ -9187,7 +9331,7 @@
           </p:nvPr>
         </p:nvPicPr>
         <p:blipFill>
-          <a:blip r:embed="rId2"/>
+          <a:blip r:embed="rId3"/>
           <a:stretch>
             <a:fillRect/>
           </a:stretch>
@@ -9251,7 +9395,7 @@
           <p:nvPr/>
         </p:nvPicPr>
         <p:blipFill>
-          <a:blip r:embed="rId3"/>
+          <a:blip r:embed="rId4"/>
           <a:stretch>
             <a:fillRect/>
           </a:stretch>
@@ -11697,6 +11841,15 @@
 </file>
 
 <file path=customXml/item1.xml><?xml version="1.0" encoding="utf-8"?>
+<?mso-contentType ?>
+<FormTemplates xmlns="http://schemas.microsoft.com/sharepoint/v3/contenttype/forms">
+  <Display>DocumentLibraryForm</Display>
+  <Edit>DocumentLibraryForm</Edit>
+  <New>DocumentLibraryForm</New>
+</FormTemplates>
+</file>
+
+<file path=customXml/item2.xml><?xml version="1.0" encoding="utf-8"?>
 <ct:contentTypeSchema xmlns:ct="http://schemas.microsoft.com/office/2006/metadata/contentType" xmlns:ma="http://schemas.microsoft.com/office/2006/metadata/properties/metaAttributes" ct:_="" ma:_="" ma:contentTypeName="Document" ma:contentTypeID="0x01010079F111ED35F8CC479449609E8A0923A6" ma:contentTypeVersion="12" ma:contentTypeDescription="Create a new document." ma:contentTypeScope="" ma:versionID="a8a52e8c320b9a064ae3583ae3861c92">
   <xsd:schema xmlns:xsd="http://www.w3.org/2001/XMLSchema" xmlns:xs="http://www.w3.org/2001/XMLSchema" xmlns:p="http://schemas.microsoft.com/office/2006/metadata/properties" xmlns:ns2="71af3243-3dd4-4a8d-8c0d-dd76da1f02a5" xmlns:ns3="16c05727-aa75-4e4a-9b5f-8a80a1165891" targetNamespace="http://schemas.microsoft.com/office/2006/metadata/properties" ma:root="true" ma:fieldsID="88020cb39231a0945110f9cd888b521a" ns2:_="" ns3:_="">
     <xsd:import namespace="71af3243-3dd4-4a8d-8c0d-dd76da1f02a5"/>
@@ -11917,15 +12070,6 @@
 </ct:contentTypeSchema>
 </file>
 
-<file path=customXml/item2.xml><?xml version="1.0" encoding="utf-8"?>
-<?mso-contentType ?>
-<FormTemplates xmlns="http://schemas.microsoft.com/sharepoint/v3/contenttype/forms">
-  <Display>DocumentLibraryForm</Display>
-  <Edit>DocumentLibraryForm</Edit>
-  <New>DocumentLibraryForm</New>
-</FormTemplates>
-</file>
-
 <file path=customXml/item3.xml><?xml version="1.0" encoding="utf-8"?>
 <p:properties xmlns:p="http://schemas.microsoft.com/office/2006/metadata/properties" xmlns:xsi="http://www.w3.org/2001/XMLSchema-instance" xmlns:pc="http://schemas.microsoft.com/office/infopath/2007/PartnerControls">
   <documentManagement>
@@ -11936,6 +12080,14 @@
 </file>
 
 <file path=customXml/itemProps1.xml><?xml version="1.0" encoding="utf-8"?>
+<ds:datastoreItem xmlns:ds="http://schemas.openxmlformats.org/officeDocument/2006/customXml" ds:itemID="{7EE8C63A-4744-4DE4-BB49-0FF0B5375C60}">
+  <ds:schemaRefs>
+    <ds:schemaRef ds:uri="http://schemas.microsoft.com/sharepoint/v3/contenttype/forms"/>
+  </ds:schemaRefs>
+</ds:datastoreItem>
+</file>
+
+<file path=customXml/itemProps2.xml><?xml version="1.0" encoding="utf-8"?>
 <ds:datastoreItem xmlns:ds="http://schemas.openxmlformats.org/officeDocument/2006/customXml" ds:itemID="{FD7FC771-7DFE-49DA-B577-71181BFBCB2E}">
   <ds:schemaRefs>
     <ds:schemaRef ds:uri="http://schemas.microsoft.com/office/2006/metadata/contentType"/>
@@ -11954,14 +12106,6 @@
 </ds:datastoreItem>
 </file>
 
-<file path=customXml/itemProps2.xml><?xml version="1.0" encoding="utf-8"?>
-<ds:datastoreItem xmlns:ds="http://schemas.openxmlformats.org/officeDocument/2006/customXml" ds:itemID="{7EE8C63A-4744-4DE4-BB49-0FF0B5375C60}">
-  <ds:schemaRefs>
-    <ds:schemaRef ds:uri="http://schemas.microsoft.com/sharepoint/v3/contenttype/forms"/>
-  </ds:schemaRefs>
-</ds:datastoreItem>
-</file>
-
 <file path=customXml/itemProps3.xml><?xml version="1.0" encoding="utf-8"?>
 <ds:datastoreItem xmlns:ds="http://schemas.openxmlformats.org/officeDocument/2006/customXml" ds:itemID="{950072C5-DDE0-4258-BA7A-4D4B80DFA632}">
   <ds:schemaRefs>

--- a/presentation/submission3_optimization.pptx
+++ b/presentation/submission3_optimization.pptx
@@ -9492,8 +9492,8 @@
         </p:blipFill>
         <p:spPr>
           <a:xfrm>
-            <a:off x="812288" y="3205326"/>
-            <a:ext cx="5942857" cy="1190476"/>
+            <a:off x="345149" y="3205326"/>
+            <a:ext cx="5548755" cy="1111529"/>
           </a:xfrm>
           <a:prstGeom prst="rect">
             <a:avLst/>
@@ -9522,8 +9522,8 @@
         </p:blipFill>
         <p:spPr>
           <a:xfrm>
-            <a:off x="812289" y="4561495"/>
-            <a:ext cx="3914286" cy="1257143"/>
+            <a:off x="812289" y="5122702"/>
+            <a:ext cx="3759711" cy="1207498"/>
           </a:xfrm>
           <a:prstGeom prst="rect">
             <a:avLst/>
@@ -9595,6 +9595,72 @@
           </a:prstGeom>
         </p:spPr>
       </p:pic>
+      <p:pic>
+        <p:nvPicPr>
+          <p:cNvPr id="3" name="Picture 2">
+            <a:extLst>
+              <a:ext uri="{FF2B5EF4-FFF2-40B4-BE49-F238E27FC236}">
+                <a16:creationId xmlns:a16="http://schemas.microsoft.com/office/drawing/2014/main" id="{23123D1E-9E76-5948-BFF4-8937D87EBF4D}"/>
+              </a:ext>
+            </a:extLst>
+          </p:cNvPr>
+          <p:cNvPicPr>
+            <a:picLocks noChangeAspect="1"/>
+          </p:cNvPicPr>
+          <p:nvPr/>
+        </p:nvPicPr>
+        <p:blipFill>
+          <a:blip r:embed="rId6"/>
+          <a:stretch>
+            <a:fillRect/>
+          </a:stretch>
+        </p:blipFill>
+        <p:spPr>
+          <a:xfrm>
+            <a:off x="5781862" y="3189590"/>
+            <a:ext cx="6159500" cy="1143000"/>
+          </a:xfrm>
+          <a:prstGeom prst="rect">
+            <a:avLst/>
+          </a:prstGeom>
+        </p:spPr>
+      </p:pic>
+      <p:sp>
+        <p:nvSpPr>
+          <p:cNvPr id="8" name="TextBox 7">
+            <a:extLst>
+              <a:ext uri="{FF2B5EF4-FFF2-40B4-BE49-F238E27FC236}">
+                <a16:creationId xmlns:a16="http://schemas.microsoft.com/office/drawing/2014/main" id="{AF55E06B-ED6D-DE49-B9F1-7823B49FE357}"/>
+              </a:ext>
+            </a:extLst>
+          </p:cNvPr>
+          <p:cNvSpPr txBox="1"/>
+          <p:nvPr/>
+        </p:nvSpPr>
+        <p:spPr>
+          <a:xfrm>
+            <a:off x="812289" y="4535112"/>
+            <a:ext cx="2766646" cy="369332"/>
+          </a:xfrm>
+          <a:prstGeom prst="rect">
+            <a:avLst/>
+          </a:prstGeom>
+          <a:noFill/>
+        </p:spPr>
+        <p:txBody>
+          <a:bodyPr wrap="square" rtlCol="0">
+            <a:spAutoFit/>
+          </a:bodyPr>
+          <a:lstStyle/>
+          <a:p>
+            <a:r>
+              <a:rPr lang="en-US" altLang="zh-CN" dirty="0"/>
+              <a:t>Updating:</a:t>
+            </a:r>
+            <a:endParaRPr lang="en-CN" dirty="0"/>
+          </a:p>
+        </p:txBody>
+      </p:sp>
     </p:spTree>
     <p:extLst>
       <p:ext uri="{BB962C8B-B14F-4D97-AF65-F5344CB8AC3E}">
@@ -11841,15 +11907,6 @@
 </file>
 
 <file path=customXml/item1.xml><?xml version="1.0" encoding="utf-8"?>
-<?mso-contentType ?>
-<FormTemplates xmlns="http://schemas.microsoft.com/sharepoint/v3/contenttype/forms">
-  <Display>DocumentLibraryForm</Display>
-  <Edit>DocumentLibraryForm</Edit>
-  <New>DocumentLibraryForm</New>
-</FormTemplates>
-</file>
-
-<file path=customXml/item2.xml><?xml version="1.0" encoding="utf-8"?>
 <ct:contentTypeSchema xmlns:ct="http://schemas.microsoft.com/office/2006/metadata/contentType" xmlns:ma="http://schemas.microsoft.com/office/2006/metadata/properties/metaAttributes" ct:_="" ma:_="" ma:contentTypeName="Document" ma:contentTypeID="0x01010079F111ED35F8CC479449609E8A0923A6" ma:contentTypeVersion="12" ma:contentTypeDescription="Create a new document." ma:contentTypeScope="" ma:versionID="a8a52e8c320b9a064ae3583ae3861c92">
   <xsd:schema xmlns:xsd="http://www.w3.org/2001/XMLSchema" xmlns:xs="http://www.w3.org/2001/XMLSchema" xmlns:p="http://schemas.microsoft.com/office/2006/metadata/properties" xmlns:ns2="71af3243-3dd4-4a8d-8c0d-dd76da1f02a5" xmlns:ns3="16c05727-aa75-4e4a-9b5f-8a80a1165891" targetNamespace="http://schemas.microsoft.com/office/2006/metadata/properties" ma:root="true" ma:fieldsID="88020cb39231a0945110f9cd888b521a" ns2:_="" ns3:_="">
     <xsd:import namespace="71af3243-3dd4-4a8d-8c0d-dd76da1f02a5"/>
@@ -12070,6 +12127,15 @@
 </ct:contentTypeSchema>
 </file>
 
+<file path=customXml/item2.xml><?xml version="1.0" encoding="utf-8"?>
+<?mso-contentType ?>
+<FormTemplates xmlns="http://schemas.microsoft.com/sharepoint/v3/contenttype/forms">
+  <Display>DocumentLibraryForm</Display>
+  <Edit>DocumentLibraryForm</Edit>
+  <New>DocumentLibraryForm</New>
+</FormTemplates>
+</file>
+
 <file path=customXml/item3.xml><?xml version="1.0" encoding="utf-8"?>
 <p:properties xmlns:p="http://schemas.microsoft.com/office/2006/metadata/properties" xmlns:xsi="http://www.w3.org/2001/XMLSchema-instance" xmlns:pc="http://schemas.microsoft.com/office/infopath/2007/PartnerControls">
   <documentManagement>
@@ -12080,14 +12146,6 @@
 </file>
 
 <file path=customXml/itemProps1.xml><?xml version="1.0" encoding="utf-8"?>
-<ds:datastoreItem xmlns:ds="http://schemas.openxmlformats.org/officeDocument/2006/customXml" ds:itemID="{7EE8C63A-4744-4DE4-BB49-0FF0B5375C60}">
-  <ds:schemaRefs>
-    <ds:schemaRef ds:uri="http://schemas.microsoft.com/sharepoint/v3/contenttype/forms"/>
-  </ds:schemaRefs>
-</ds:datastoreItem>
-</file>
-
-<file path=customXml/itemProps2.xml><?xml version="1.0" encoding="utf-8"?>
 <ds:datastoreItem xmlns:ds="http://schemas.openxmlformats.org/officeDocument/2006/customXml" ds:itemID="{FD7FC771-7DFE-49DA-B577-71181BFBCB2E}">
   <ds:schemaRefs>
     <ds:schemaRef ds:uri="http://schemas.microsoft.com/office/2006/metadata/contentType"/>
@@ -12106,6 +12164,14 @@
 </ds:datastoreItem>
 </file>
 
+<file path=customXml/itemProps2.xml><?xml version="1.0" encoding="utf-8"?>
+<ds:datastoreItem xmlns:ds="http://schemas.openxmlformats.org/officeDocument/2006/customXml" ds:itemID="{7EE8C63A-4744-4DE4-BB49-0FF0B5375C60}">
+  <ds:schemaRefs>
+    <ds:schemaRef ds:uri="http://schemas.microsoft.com/sharepoint/v3/contenttype/forms"/>
+  </ds:schemaRefs>
+</ds:datastoreItem>
+</file>
+
 <file path=customXml/itemProps3.xml><?xml version="1.0" encoding="utf-8"?>
 <ds:datastoreItem xmlns:ds="http://schemas.openxmlformats.org/officeDocument/2006/customXml" ds:itemID="{950072C5-DDE0-4258-BA7A-4D4B80DFA632}">
   <ds:schemaRefs>
